--- a/Architecture Design 2022/0324/0324_2017170544_신원기.pptx
+++ b/Architecture Design 2022/0324/0324_2017170544_신원기.pptx
@@ -6,6 +6,12 @@
   </p:sldMasterIdLst>
   <p:sldIdLst>
     <p:sldId id="256" r:id="rId2"/>
+    <p:sldId id="257" r:id="rId3"/>
+    <p:sldId id="258" r:id="rId4"/>
+    <p:sldId id="259" r:id="rId5"/>
+    <p:sldId id="260" r:id="rId6"/>
+    <p:sldId id="261" r:id="rId7"/>
+    <p:sldId id="262" r:id="rId8"/>
   </p:sldIdLst>
   <p:sldSz cx="12192000" cy="6858000"/>
   <p:notesSz cx="6858000" cy="9144000"/>
@@ -3351,7 +3357,7 @@
         </p:nvSpPr>
         <p:spPr>
           <a:xfrm>
-            <a:off x="312165" y="584718"/>
+            <a:off x="321998" y="584718"/>
             <a:ext cx="6093372" cy="369332"/>
           </a:xfrm>
           <a:prstGeom prst="rect">
@@ -3375,7 +3381,7 @@
                 <a:latin typeface="레시피코리아 Medium" panose="02020603020101020101" pitchFamily="18" charset="-127"/>
                 <a:ea typeface="레시피코리아 Medium" panose="02020603020101020101" pitchFamily="18" charset="-127"/>
               </a:rPr>
-              <a:t>예측모델</a:t>
+              <a:t>주제 선정 및 예상 결과</a:t>
             </a:r>
           </a:p>
         </p:txBody>
@@ -3394,8 +3400,8 @@
         </p:nvSpPr>
         <p:spPr>
           <a:xfrm>
-            <a:off x="992249" y="3230185"/>
-            <a:ext cx="6178171" cy="711733"/>
+            <a:off x="6272980" y="1466391"/>
+            <a:ext cx="5104631" cy="388568"/>
           </a:xfrm>
           <a:prstGeom prst="rect">
             <a:avLst/>
@@ -3422,74 +3428,140 @@
           </a:lstStyle>
           <a:p>
             <a:r>
+              <a:rPr lang="en-US" altLang="ko-KR" b="1" dirty="0"/>
+              <a:t>“</a:t>
+            </a:r>
+            <a:r>
+              <a:rPr lang="ko-KR" altLang="en-US" b="1" dirty="0"/>
+              <a:t>당신은 이 아파트에서 음식물 쓰레기 배출량이 상위 </a:t>
+            </a:r>
+            <a:r>
+              <a:rPr lang="en-US" altLang="ko-KR" b="1" dirty="0"/>
+              <a:t>90%</a:t>
+            </a:r>
+            <a:r>
+              <a:rPr lang="ko-KR" altLang="en-US" b="1" dirty="0"/>
+              <a:t>입니다</a:t>
+            </a:r>
+            <a:r>
+              <a:rPr lang="en-US" altLang="ko-KR" b="1" dirty="0"/>
+              <a:t>.”</a:t>
+            </a:r>
+            <a:endParaRPr lang="ko-KR" altLang="en-US" b="1" dirty="0"/>
+          </a:p>
+        </p:txBody>
+      </p:sp>
+      <p:pic>
+        <p:nvPicPr>
+          <p:cNvPr id="1026" name="Picture 2" descr="음식물쓰레기 줄어요~ 무선인식 종량기 2673대 추가 | 서울시 - 내 손안에 서울">
+            <a:extLst>
+              <a:ext uri="{FF2B5EF4-FFF2-40B4-BE49-F238E27FC236}">
+                <a16:creationId xmlns:a16="http://schemas.microsoft.com/office/drawing/2014/main" id="{8A20AEF2-C0E0-409B-BAF4-FC59F265475D}"/>
+              </a:ext>
+            </a:extLst>
+          </p:cNvPr>
+          <p:cNvPicPr>
+            <a:picLocks noChangeAspect="1" noChangeArrowheads="1"/>
+          </p:cNvPicPr>
+          <p:nvPr/>
+        </p:nvPicPr>
+        <p:blipFill>
+          <a:blip r:embed="rId2">
+            <a:extLst>
+              <a:ext uri="{28A0092B-C50C-407E-A947-70E740481C1C}">
+                <a14:useLocalDpi xmlns:a14="http://schemas.microsoft.com/office/drawing/2010/main" val="0"/>
+              </a:ext>
+            </a:extLst>
+          </a:blip>
+          <a:srcRect/>
+          <a:stretch>
+            <a:fillRect/>
+          </a:stretch>
+        </p:blipFill>
+        <p:spPr bwMode="auto">
+          <a:xfrm>
+            <a:off x="1148685" y="1466391"/>
+            <a:ext cx="4111573" cy="2596420"/>
+          </a:xfrm>
+          <a:prstGeom prst="rect">
+            <a:avLst/>
+          </a:prstGeom>
+          <a:noFill/>
+          <a:extLst>
+            <a:ext uri="{909E8E84-426E-40DD-AFC4-6F175D3DCCD1}">
+              <a14:hiddenFill xmlns:a14="http://schemas.microsoft.com/office/drawing/2010/main">
+                <a:solidFill>
+                  <a:srgbClr val="FFFFFF"/>
+                </a:solidFill>
+              </a14:hiddenFill>
+            </a:ext>
+          </a:extLst>
+        </p:spPr>
+      </p:pic>
+      <p:sp>
+        <p:nvSpPr>
+          <p:cNvPr id="6" name="TextBox 5">
+            <a:extLst>
+              <a:ext uri="{FF2B5EF4-FFF2-40B4-BE49-F238E27FC236}">
+                <a16:creationId xmlns:a16="http://schemas.microsoft.com/office/drawing/2014/main" id="{3B36DE79-E9DA-4BEA-8B6F-1E38F44A7BD5}"/>
+              </a:ext>
+            </a:extLst>
+          </p:cNvPr>
+          <p:cNvSpPr txBox="1"/>
+          <p:nvPr/>
+        </p:nvSpPr>
+        <p:spPr>
+          <a:xfrm>
+            <a:off x="6476052" y="2139253"/>
+            <a:ext cx="5599471" cy="2973891"/>
+          </a:xfrm>
+          <a:prstGeom prst="rect">
+            <a:avLst/>
+          </a:prstGeom>
+          <a:noFill/>
+        </p:spPr>
+        <p:txBody>
+          <a:bodyPr wrap="square">
+            <a:spAutoFit/>
+          </a:bodyPr>
+          <a:lstStyle>
+            <a:defPPr>
+              <a:defRPr lang="ko-KR"/>
+            </a:defPPr>
+            <a:lvl1pPr>
+              <a:lnSpc>
+                <a:spcPct val="150000"/>
+              </a:lnSpc>
+              <a:defRPr sz="1400">
+                <a:latin typeface="나눔바른고딕" panose="020B0603020101020101" pitchFamily="50" charset="-127"/>
+                <a:ea typeface="나눔바른고딕" panose="020B0603020101020101" pitchFamily="50" charset="-127"/>
+              </a:defRPr>
+            </a:lvl1pPr>
+          </a:lstStyle>
+          <a:p>
+            <a:r>
               <a:rPr lang="ko-KR" altLang="en-US" dirty="0"/>
-              <a:t>환경 및 설비 </a:t>
+              <a:t>라는 문구를 봤을 때</a:t>
             </a:r>
             <a:r>
               <a:rPr lang="en-US" altLang="ko-KR" dirty="0"/>
-              <a:t>(</a:t>
-            </a:r>
+              <a:t>,</a:t>
+            </a:r>
+          </a:p>
+          <a:p>
             <a:r>
               <a:rPr lang="ko-KR" altLang="en-US" dirty="0"/>
-              <a:t>전기사용량</a:t>
+              <a:t>실제로 사람들은 자극을 받아 쓰레기 배출량이 감소했을까</a:t>
             </a:r>
             <a:r>
               <a:rPr lang="en-US" altLang="ko-KR" dirty="0"/>
-              <a:t>, </a:t>
-            </a:r>
-            <a:r>
-              <a:rPr lang="ko-KR" altLang="en-US" dirty="0" err="1"/>
-              <a:t>온열쾌적감</a:t>
-            </a:r>
-            <a:r>
-              <a:rPr lang="en-US" altLang="ko-KR" dirty="0"/>
-              <a:t>, </a:t>
-            </a:r>
+              <a:t>?</a:t>
+            </a:r>
+          </a:p>
+          <a:p>
             <a:r>
               <a:rPr lang="ko-KR" altLang="en-US" dirty="0"/>
-              <a:t>공조기</a:t>
-            </a:r>
-            <a:r>
-              <a:rPr lang="en-US" altLang="ko-KR" dirty="0"/>
-              <a:t>, </a:t>
-            </a:r>
-            <a:r>
-              <a:rPr lang="ko-KR" altLang="en-US" dirty="0"/>
-              <a:t>진동</a:t>
-            </a:r>
-            <a:r>
-              <a:rPr lang="en-US" altLang="ko-KR" dirty="0"/>
-              <a:t>, </a:t>
-            </a:r>
-            <a:r>
-              <a:rPr lang="ko-KR" altLang="en-US" dirty="0" err="1"/>
-              <a:t>에너지소요량</a:t>
-            </a:r>
-            <a:r>
-              <a:rPr lang="en-US" altLang="ko-KR" dirty="0"/>
-              <a:t>, </a:t>
-            </a:r>
-            <a:r>
-              <a:rPr lang="ko-KR" altLang="en-US" dirty="0"/>
-              <a:t>행동분류모델</a:t>
-            </a:r>
-            <a:r>
-              <a:rPr lang="en-US" altLang="ko-KR" dirty="0"/>
-              <a:t>)</a:t>
-            </a:r>
-          </a:p>
-          <a:p>
-            <a:r>
-              <a:rPr lang="ko-KR" altLang="en-US" dirty="0"/>
-              <a:t>주택 </a:t>
-            </a:r>
-            <a:r>
-              <a:rPr lang="en-US" altLang="ko-KR" dirty="0"/>
-              <a:t>(</a:t>
-            </a:r>
-            <a:r>
-              <a:rPr lang="ko-KR" altLang="en-US" dirty="0"/>
-              <a:t>주택가격</a:t>
+              <a:t>  </a:t>
             </a:r>
             <a:r>
               <a:rPr lang="en-US" altLang="ko-KR" dirty="0"/>
@@ -3497,36 +3569,2483 @@
             </a:r>
             <a:r>
               <a:rPr lang="ko-KR" altLang="en-US" dirty="0"/>
-              <a:t>분양가 상한제</a:t>
+              <a:t> 이런 문구는 어떤 가구세대에게 효과적일까</a:t>
             </a:r>
             <a:r>
               <a:rPr lang="en-US" altLang="ko-KR" dirty="0"/>
-              <a:t>, </a:t>
+              <a:t>? (20</a:t>
             </a:r>
             <a:r>
               <a:rPr lang="ko-KR" altLang="en-US" dirty="0"/>
-              <a:t>부동산 지수</a:t>
+              <a:t>대</a:t>
             </a:r>
             <a:r>
               <a:rPr lang="en-US" altLang="ko-KR" dirty="0"/>
-              <a:t>, </a:t>
+              <a:t> or 50</a:t>
             </a:r>
             <a:r>
               <a:rPr lang="ko-KR" altLang="en-US" dirty="0"/>
-              <a:t>범죄 예측모형비교</a:t>
+              <a:t>대</a:t>
             </a:r>
             <a:r>
               <a:rPr lang="en-US" altLang="ko-KR" dirty="0"/>
-              <a:t>)</a:t>
+              <a:t>?)</a:t>
+            </a:r>
+          </a:p>
+          <a:p>
+            <a:r>
+              <a:rPr lang="ko-KR" altLang="en-US" dirty="0"/>
+              <a:t>  </a:t>
+            </a:r>
+            <a:r>
+              <a:rPr lang="en-US" altLang="ko-KR" dirty="0"/>
+              <a:t>-</a:t>
+            </a:r>
+            <a:r>
+              <a:rPr lang="ko-KR" altLang="en-US" dirty="0"/>
+              <a:t> 생활소득이 높을수록 효과적일까</a:t>
+            </a:r>
+            <a:r>
+              <a:rPr lang="en-US" altLang="ko-KR" dirty="0"/>
+              <a:t>?</a:t>
+            </a:r>
+          </a:p>
+          <a:p>
+            <a:endParaRPr lang="en-US" altLang="ko-KR" dirty="0"/>
+          </a:p>
+          <a:p>
+            <a:r>
+              <a:rPr lang="ko-KR" altLang="en-US" dirty="0"/>
+              <a:t>등 </a:t>
+            </a:r>
+            <a:r>
+              <a:rPr lang="en-US" altLang="ko-KR" dirty="0"/>
+              <a:t>RIFD </a:t>
+            </a:r>
+            <a:r>
+              <a:rPr lang="ko-KR" altLang="en-US" dirty="0"/>
+              <a:t>음식물쓰레기 배출방법과 관련된 다양한 분석을 진행한다</a:t>
+            </a:r>
+            <a:r>
+              <a:rPr lang="en-US" altLang="ko-KR" dirty="0"/>
+              <a:t>.</a:t>
+            </a:r>
+          </a:p>
+          <a:p>
+            <a:endParaRPr lang="en-US" altLang="ko-KR" dirty="0"/>
+          </a:p>
+          <a:p>
+            <a:r>
+              <a:rPr lang="ko-KR" altLang="en-US" dirty="0"/>
+              <a:t>이를 통해 공동주택의 음식물 쓰레기 배출 특성과 </a:t>
+            </a:r>
+            <a:endParaRPr lang="en-US" altLang="ko-KR" dirty="0"/>
+          </a:p>
+          <a:p>
+            <a:r>
+              <a:rPr lang="ko-KR" altLang="en-US" dirty="0"/>
+              <a:t>음식물 쓰레기 배출 감소를 위한 방법으로써 </a:t>
+            </a:r>
+            <a:r>
+              <a:rPr lang="en-US" altLang="ko-KR" dirty="0"/>
+              <a:t>RFID</a:t>
+            </a:r>
+            <a:r>
+              <a:rPr lang="ko-KR" altLang="en-US" dirty="0"/>
+              <a:t>의 효과성을 검증할 수 있다</a:t>
+            </a:r>
+            <a:r>
+              <a:rPr lang="en-US" altLang="ko-KR" dirty="0"/>
+              <a:t>.</a:t>
             </a:r>
             <a:endParaRPr lang="ko-KR" altLang="en-US" dirty="0"/>
           </a:p>
         </p:txBody>
       </p:sp>
+      <p:pic>
+        <p:nvPicPr>
+          <p:cNvPr id="3" name="그림 2">
+            <a:extLst>
+              <a:ext uri="{FF2B5EF4-FFF2-40B4-BE49-F238E27FC236}">
+                <a16:creationId xmlns:a16="http://schemas.microsoft.com/office/drawing/2014/main" id="{A9E415A2-3477-44F9-A703-60A72C0CC845}"/>
+              </a:ext>
+            </a:extLst>
+          </p:cNvPr>
+          <p:cNvPicPr>
+            <a:picLocks noChangeAspect="1"/>
+          </p:cNvPicPr>
+          <p:nvPr/>
+        </p:nvPicPr>
+        <p:blipFill>
+          <a:blip r:embed="rId3"/>
+          <a:stretch>
+            <a:fillRect/>
+          </a:stretch>
+        </p:blipFill>
+        <p:spPr>
+          <a:xfrm>
+            <a:off x="194957" y="4575152"/>
+            <a:ext cx="5801705" cy="1906722"/>
+          </a:xfrm>
+          <a:prstGeom prst="rect">
+            <a:avLst/>
+          </a:prstGeom>
+        </p:spPr>
+      </p:pic>
     </p:spTree>
     <p:extLst>
       <p:ext uri="{BB962C8B-B14F-4D97-AF65-F5344CB8AC3E}">
         <p14:creationId xmlns:p14="http://schemas.microsoft.com/office/powerpoint/2010/main" val="407340704"/>
+      </p:ext>
+    </p:extLst>
+  </p:cSld>
+  <p:clrMapOvr>
+    <a:masterClrMapping/>
+  </p:clrMapOvr>
+</p:sld>
+</file>
+
+<file path=ppt/slides/slide2.xml><?xml version="1.0" encoding="utf-8"?>
+<p:sld xmlns:a="http://schemas.openxmlformats.org/drawingml/2006/main" xmlns:r="http://schemas.openxmlformats.org/officeDocument/2006/relationships" xmlns:p="http://schemas.openxmlformats.org/presentationml/2006/main">
+  <p:cSld>
+    <p:spTree>
+      <p:nvGrpSpPr>
+        <p:cNvPr id="1" name=""/>
+        <p:cNvGrpSpPr/>
+        <p:nvPr/>
+      </p:nvGrpSpPr>
+      <p:grpSpPr>
+        <a:xfrm>
+          <a:off x="0" y="0"/>
+          <a:ext cx="0" cy="0"/>
+          <a:chOff x="0" y="0"/>
+          <a:chExt cx="0" cy="0"/>
+        </a:xfrm>
+      </p:grpSpPr>
+      <p:sp>
+        <p:nvSpPr>
+          <p:cNvPr id="4" name="TextBox 3">
+            <a:extLst>
+              <a:ext uri="{FF2B5EF4-FFF2-40B4-BE49-F238E27FC236}">
+                <a16:creationId xmlns:a16="http://schemas.microsoft.com/office/drawing/2014/main" id="{48D804E3-71B3-4336-9F7B-7CD1582F98BA}"/>
+              </a:ext>
+            </a:extLst>
+          </p:cNvPr>
+          <p:cNvSpPr txBox="1"/>
+          <p:nvPr/>
+        </p:nvSpPr>
+        <p:spPr>
+          <a:xfrm>
+            <a:off x="321998" y="584718"/>
+            <a:ext cx="6093372" cy="369332"/>
+          </a:xfrm>
+          <a:prstGeom prst="rect">
+            <a:avLst/>
+          </a:prstGeom>
+          <a:noFill/>
+        </p:spPr>
+        <p:txBody>
+          <a:bodyPr wrap="square">
+            <a:spAutoFit/>
+          </a:bodyPr>
+          <a:lstStyle/>
+          <a:p>
+            <a:pPr algn="l"/>
+            <a:r>
+              <a:rPr lang="ko-KR" altLang="en-US" b="0" i="0" dirty="0">
+                <a:solidFill>
+                  <a:srgbClr val="000000"/>
+                </a:solidFill>
+                <a:effectLst/>
+                <a:latin typeface="레시피코리아 Medium" panose="02020603020101020101" pitchFamily="18" charset="-127"/>
+                <a:ea typeface="레시피코리아 Medium" panose="02020603020101020101" pitchFamily="18" charset="-127"/>
+              </a:rPr>
+              <a:t>선행연구 및 연구의 필요성</a:t>
+            </a:r>
+          </a:p>
+        </p:txBody>
+      </p:sp>
+      <p:sp>
+        <p:nvSpPr>
+          <p:cNvPr id="6" name="TextBox 5">
+            <a:extLst>
+              <a:ext uri="{FF2B5EF4-FFF2-40B4-BE49-F238E27FC236}">
+                <a16:creationId xmlns:a16="http://schemas.microsoft.com/office/drawing/2014/main" id="{3B36DE79-E9DA-4BEA-8B6F-1E38F44A7BD5}"/>
+              </a:ext>
+            </a:extLst>
+          </p:cNvPr>
+          <p:cNvSpPr txBox="1"/>
+          <p:nvPr/>
+        </p:nvSpPr>
+        <p:spPr>
+          <a:xfrm>
+            <a:off x="1323948" y="1660675"/>
+            <a:ext cx="8498478" cy="711733"/>
+          </a:xfrm>
+          <a:prstGeom prst="rect">
+            <a:avLst/>
+          </a:prstGeom>
+          <a:noFill/>
+        </p:spPr>
+        <p:txBody>
+          <a:bodyPr wrap="square">
+            <a:spAutoFit/>
+          </a:bodyPr>
+          <a:lstStyle>
+            <a:defPPr>
+              <a:defRPr lang="ko-KR"/>
+            </a:defPPr>
+            <a:lvl1pPr>
+              <a:lnSpc>
+                <a:spcPct val="150000"/>
+              </a:lnSpc>
+              <a:defRPr sz="1400">
+                <a:latin typeface="나눔바른고딕" panose="020B0603020101020101" pitchFamily="50" charset="-127"/>
+                <a:ea typeface="나눔바른고딕" panose="020B0603020101020101" pitchFamily="50" charset="-127"/>
+              </a:defRPr>
+            </a:lvl1pPr>
+          </a:lstStyle>
+          <a:p>
+            <a:r>
+              <a:rPr lang="en-US" altLang="ko-KR" dirty="0"/>
+              <a:t>RFID </a:t>
+            </a:r>
+            <a:r>
+              <a:rPr lang="ko-KR" altLang="en-US" dirty="0"/>
+              <a:t>중심으로 선행연구를 검색해보았을 때</a:t>
+            </a:r>
+            <a:r>
+              <a:rPr lang="en-US" altLang="ko-KR" dirty="0"/>
+              <a:t>, RFID </a:t>
+            </a:r>
+            <a:r>
+              <a:rPr lang="ko-KR" altLang="en-US" dirty="0"/>
+              <a:t>도입 시기</a:t>
+            </a:r>
+            <a:r>
+              <a:rPr lang="en-US" altLang="ko-KR" dirty="0"/>
+              <a:t>(2013)</a:t>
+            </a:r>
+            <a:r>
+              <a:rPr lang="ko-KR" altLang="en-US" dirty="0"/>
+              <a:t>년 전후에만</a:t>
+            </a:r>
+            <a:endParaRPr lang="en-US" altLang="ko-KR" dirty="0"/>
+          </a:p>
+          <a:p>
+            <a:r>
+              <a:rPr lang="en-US" altLang="ko-KR" dirty="0"/>
+              <a:t>	‘RFID </a:t>
+            </a:r>
+            <a:r>
+              <a:rPr lang="ko-KR" altLang="en-US" dirty="0"/>
+              <a:t>도입 요인 분석</a:t>
+            </a:r>
+            <a:r>
+              <a:rPr lang="en-US" altLang="ko-KR" dirty="0"/>
+              <a:t>’, ‘RFID </a:t>
+            </a:r>
+            <a:r>
+              <a:rPr lang="ko-KR" altLang="en-US" dirty="0"/>
+              <a:t>도입으로 인한 전체 배출량 감소</a:t>
+            </a:r>
+            <a:r>
+              <a:rPr lang="en-US" altLang="ko-KR" dirty="0"/>
+              <a:t>’ </a:t>
+            </a:r>
+            <a:r>
+              <a:rPr lang="ko-KR" altLang="en-US" dirty="0"/>
+              <a:t>등의 한정적인 연구만 이루어져 있다</a:t>
+            </a:r>
+            <a:r>
+              <a:rPr lang="en-US" altLang="ko-KR" dirty="0"/>
+              <a:t>.</a:t>
+            </a:r>
+            <a:endParaRPr lang="ko-KR" altLang="en-US" dirty="0"/>
+          </a:p>
+        </p:txBody>
+      </p:sp>
+      <p:sp>
+        <p:nvSpPr>
+          <p:cNvPr id="7" name="TextBox 6">
+            <a:extLst>
+              <a:ext uri="{FF2B5EF4-FFF2-40B4-BE49-F238E27FC236}">
+                <a16:creationId xmlns:a16="http://schemas.microsoft.com/office/drawing/2014/main" id="{D402DED5-FFA4-4764-BD17-3E23B853347E}"/>
+              </a:ext>
+            </a:extLst>
+          </p:cNvPr>
+          <p:cNvSpPr txBox="1"/>
+          <p:nvPr/>
+        </p:nvSpPr>
+        <p:spPr>
+          <a:xfrm>
+            <a:off x="283431" y="3946675"/>
+            <a:ext cx="11625138" cy="1034899"/>
+          </a:xfrm>
+          <a:prstGeom prst="rect">
+            <a:avLst/>
+          </a:prstGeom>
+          <a:noFill/>
+        </p:spPr>
+        <p:txBody>
+          <a:bodyPr wrap="square">
+            <a:spAutoFit/>
+          </a:bodyPr>
+          <a:lstStyle>
+            <a:defPPr>
+              <a:defRPr lang="ko-KR"/>
+            </a:defPPr>
+            <a:lvl1pPr>
+              <a:lnSpc>
+                <a:spcPct val="150000"/>
+              </a:lnSpc>
+              <a:defRPr sz="1400">
+                <a:latin typeface="나눔바른고딕" panose="020B0603020101020101" pitchFamily="50" charset="-127"/>
+                <a:ea typeface="나눔바른고딕" panose="020B0603020101020101" pitchFamily="50" charset="-127"/>
+              </a:defRPr>
+            </a:lvl1pPr>
+          </a:lstStyle>
+          <a:p>
+            <a:r>
+              <a:rPr lang="ko-KR" altLang="en-US" dirty="0"/>
+              <a:t>시간이 지나 기술의 발전으로 </a:t>
+            </a:r>
+            <a:r>
+              <a:rPr lang="en-US" altLang="ko-KR" dirty="0"/>
+              <a:t>RFID </a:t>
+            </a:r>
+            <a:r>
+              <a:rPr lang="ko-KR" altLang="en-US" dirty="0"/>
+              <a:t>기기에 쓰레기 배출을 하였을 때</a:t>
+            </a:r>
+            <a:r>
+              <a:rPr lang="en-US" altLang="ko-KR" dirty="0"/>
+              <a:t>, </a:t>
+            </a:r>
+            <a:r>
+              <a:rPr lang="ko-KR" altLang="en-US" dirty="0"/>
+              <a:t>바로바로 자신 배출량의 통계적 위치를 확인할 수 있게 되었다</a:t>
+            </a:r>
+            <a:r>
+              <a:rPr lang="en-US" altLang="ko-KR" dirty="0"/>
+              <a:t>.</a:t>
+            </a:r>
+          </a:p>
+          <a:p>
+            <a:r>
+              <a:rPr lang="en-US" altLang="ko-KR" dirty="0"/>
+              <a:t>	</a:t>
+            </a:r>
+            <a:r>
+              <a:rPr lang="ko-KR" altLang="en-US" dirty="0"/>
+              <a:t>따라서 </a:t>
+            </a:r>
+            <a:r>
+              <a:rPr lang="en-US" altLang="ko-KR" u="sng" dirty="0"/>
+              <a:t>‘</a:t>
+            </a:r>
+            <a:r>
+              <a:rPr lang="ko-KR" altLang="en-US" u="sng" dirty="0"/>
+              <a:t>특정 커뮤니티 내에서 비교를 통한 배출 감소를 유도했을 때 얼마나 효과적인지</a:t>
+            </a:r>
+            <a:r>
+              <a:rPr lang="en-US" altLang="ko-KR" u="sng" dirty="0"/>
+              <a:t>’</a:t>
+            </a:r>
+            <a:r>
+              <a:rPr lang="ko-KR" altLang="en-US" dirty="0"/>
+              <a:t>에 대한 분석이 필요하며</a:t>
+            </a:r>
+            <a:r>
+              <a:rPr lang="en-US" altLang="ko-KR" dirty="0"/>
+              <a:t>,</a:t>
+            </a:r>
+          </a:p>
+          <a:p>
+            <a:r>
+              <a:rPr lang="en-US" altLang="ko-KR" dirty="0"/>
+              <a:t>	</a:t>
+            </a:r>
+            <a:r>
+              <a:rPr lang="ko-KR" altLang="en-US" dirty="0"/>
+              <a:t>이러한 분석을 통해 음식물 쓰레기 뿐만 아니라</a:t>
+            </a:r>
+            <a:r>
+              <a:rPr lang="en-US" altLang="ko-KR" dirty="0"/>
+              <a:t>, </a:t>
+            </a:r>
+            <a:r>
+              <a:rPr lang="ko-KR" altLang="en-US" u="sng" dirty="0"/>
+              <a:t>하나의 커뮤니티인 아파트의 특성을 활용하여 특정 행동을 유도해낼 수 있음을 확인할 수 있을 것</a:t>
+            </a:r>
+            <a:r>
+              <a:rPr lang="ko-KR" altLang="en-US" dirty="0"/>
+              <a:t>이다</a:t>
+            </a:r>
+            <a:r>
+              <a:rPr lang="en-US" altLang="ko-KR" dirty="0"/>
+              <a:t>.</a:t>
+            </a:r>
+            <a:endParaRPr lang="ko-KR" altLang="en-US" dirty="0"/>
+          </a:p>
+        </p:txBody>
+      </p:sp>
+    </p:spTree>
+    <p:extLst>
+      <p:ext uri="{BB962C8B-B14F-4D97-AF65-F5344CB8AC3E}">
+        <p14:creationId xmlns:p14="http://schemas.microsoft.com/office/powerpoint/2010/main" val="1556184255"/>
+      </p:ext>
+    </p:extLst>
+  </p:cSld>
+  <p:clrMapOvr>
+    <a:masterClrMapping/>
+  </p:clrMapOvr>
+</p:sld>
+</file>
+
+<file path=ppt/slides/slide3.xml><?xml version="1.0" encoding="utf-8"?>
+<p:sld xmlns:a="http://schemas.openxmlformats.org/drawingml/2006/main" xmlns:r="http://schemas.openxmlformats.org/officeDocument/2006/relationships" xmlns:p="http://schemas.openxmlformats.org/presentationml/2006/main">
+  <p:cSld>
+    <p:spTree>
+      <p:nvGrpSpPr>
+        <p:cNvPr id="1" name=""/>
+        <p:cNvGrpSpPr/>
+        <p:nvPr/>
+      </p:nvGrpSpPr>
+      <p:grpSpPr>
+        <a:xfrm>
+          <a:off x="0" y="0"/>
+          <a:ext cx="0" cy="0"/>
+          <a:chOff x="0" y="0"/>
+          <a:chExt cx="0" cy="0"/>
+        </a:xfrm>
+      </p:grpSpPr>
+      <p:sp>
+        <p:nvSpPr>
+          <p:cNvPr id="4" name="TextBox 3">
+            <a:extLst>
+              <a:ext uri="{FF2B5EF4-FFF2-40B4-BE49-F238E27FC236}">
+                <a16:creationId xmlns:a16="http://schemas.microsoft.com/office/drawing/2014/main" id="{48D804E3-71B3-4336-9F7B-7CD1582F98BA}"/>
+              </a:ext>
+            </a:extLst>
+          </p:cNvPr>
+          <p:cNvSpPr txBox="1"/>
+          <p:nvPr/>
+        </p:nvSpPr>
+        <p:spPr>
+          <a:xfrm>
+            <a:off x="321998" y="584718"/>
+            <a:ext cx="6093372" cy="369332"/>
+          </a:xfrm>
+          <a:prstGeom prst="rect">
+            <a:avLst/>
+          </a:prstGeom>
+          <a:noFill/>
+        </p:spPr>
+        <p:txBody>
+          <a:bodyPr wrap="square">
+            <a:spAutoFit/>
+          </a:bodyPr>
+          <a:lstStyle/>
+          <a:p>
+            <a:pPr algn="l"/>
+            <a:r>
+              <a:rPr lang="ko-KR" altLang="en-US" b="0" i="0" dirty="0">
+                <a:solidFill>
+                  <a:srgbClr val="000000"/>
+                </a:solidFill>
+                <a:effectLst/>
+                <a:latin typeface="레시피코리아 Medium" panose="02020603020101020101" pitchFamily="18" charset="-127"/>
+                <a:ea typeface="레시피코리아 Medium" panose="02020603020101020101" pitchFamily="18" charset="-127"/>
+              </a:rPr>
+              <a:t>연구 내용</a:t>
+            </a:r>
+          </a:p>
+        </p:txBody>
+      </p:sp>
+      <p:sp>
+        <p:nvSpPr>
+          <p:cNvPr id="7" name="TextBox 6">
+            <a:extLst>
+              <a:ext uri="{FF2B5EF4-FFF2-40B4-BE49-F238E27FC236}">
+                <a16:creationId xmlns:a16="http://schemas.microsoft.com/office/drawing/2014/main" id="{D402DED5-FFA4-4764-BD17-3E23B853347E}"/>
+              </a:ext>
+            </a:extLst>
+          </p:cNvPr>
+          <p:cNvSpPr txBox="1"/>
+          <p:nvPr/>
+        </p:nvSpPr>
+        <p:spPr>
+          <a:xfrm>
+            <a:off x="1841852" y="3486561"/>
+            <a:ext cx="1987821" cy="388568"/>
+          </a:xfrm>
+          <a:prstGeom prst="rect">
+            <a:avLst/>
+          </a:prstGeom>
+          <a:noFill/>
+        </p:spPr>
+        <p:txBody>
+          <a:bodyPr wrap="square">
+            <a:spAutoFit/>
+          </a:bodyPr>
+          <a:lstStyle>
+            <a:defPPr>
+              <a:defRPr lang="ko-KR"/>
+            </a:defPPr>
+            <a:lvl1pPr>
+              <a:lnSpc>
+                <a:spcPct val="150000"/>
+              </a:lnSpc>
+              <a:defRPr sz="1400">
+                <a:latin typeface="나눔바른고딕" panose="020B0603020101020101" pitchFamily="50" charset="-127"/>
+                <a:ea typeface="나눔바른고딕" panose="020B0603020101020101" pitchFamily="50" charset="-127"/>
+              </a:defRPr>
+            </a:lvl1pPr>
+          </a:lstStyle>
+          <a:p>
+            <a:r>
+              <a:rPr lang="ko-KR" altLang="en-US" dirty="0"/>
+              <a:t>일반 </a:t>
+            </a:r>
+            <a:r>
+              <a:rPr lang="en-US" altLang="ko-KR" dirty="0"/>
+              <a:t>RFID </a:t>
+            </a:r>
+            <a:r>
+              <a:rPr lang="ko-KR" altLang="en-US" dirty="0"/>
+              <a:t>기기 배출량</a:t>
+            </a:r>
+          </a:p>
+        </p:txBody>
+      </p:sp>
+      <p:pic>
+        <p:nvPicPr>
+          <p:cNvPr id="5" name="Picture 2" descr="음식물쓰레기 줄어요~ 무선인식 종량기 2673대 추가 | 서울시 - 내 손안에 서울">
+            <a:extLst>
+              <a:ext uri="{FF2B5EF4-FFF2-40B4-BE49-F238E27FC236}">
+                <a16:creationId xmlns:a16="http://schemas.microsoft.com/office/drawing/2014/main" id="{C8D40999-1486-4DE3-8FDA-57ED1DAD4286}"/>
+              </a:ext>
+            </a:extLst>
+          </p:cNvPr>
+          <p:cNvPicPr>
+            <a:picLocks noChangeAspect="1" noChangeArrowheads="1"/>
+          </p:cNvPicPr>
+          <p:nvPr/>
+        </p:nvPicPr>
+        <p:blipFill>
+          <a:blip r:embed="rId2">
+            <a:extLst>
+              <a:ext uri="{28A0092B-C50C-407E-A947-70E740481C1C}">
+                <a14:useLocalDpi xmlns:a14="http://schemas.microsoft.com/office/drawing/2010/main" val="0"/>
+              </a:ext>
+            </a:extLst>
+          </a:blip>
+          <a:srcRect/>
+          <a:stretch>
+            <a:fillRect/>
+          </a:stretch>
+        </p:blipFill>
+        <p:spPr bwMode="auto">
+          <a:xfrm>
+            <a:off x="1256841" y="1318907"/>
+            <a:ext cx="3157844" cy="1994149"/>
+          </a:xfrm>
+          <a:prstGeom prst="rect">
+            <a:avLst/>
+          </a:prstGeom>
+          <a:noFill/>
+          <a:extLst>
+            <a:ext uri="{909E8E84-426E-40DD-AFC4-6F175D3DCCD1}">
+              <a14:hiddenFill xmlns:a14="http://schemas.microsoft.com/office/drawing/2010/main">
+                <a:solidFill>
+                  <a:srgbClr val="FFFFFF"/>
+                </a:solidFill>
+              </a14:hiddenFill>
+            </a:ext>
+          </a:extLst>
+        </p:spPr>
+      </p:pic>
+      <p:pic>
+        <p:nvPicPr>
+          <p:cNvPr id="8" name="Picture 2" descr="음식물쓰레기 줄어요~ 무선인식 종량기 2673대 추가 | 서울시 - 내 손안에 서울">
+            <a:extLst>
+              <a:ext uri="{FF2B5EF4-FFF2-40B4-BE49-F238E27FC236}">
+                <a16:creationId xmlns:a16="http://schemas.microsoft.com/office/drawing/2014/main" id="{4442C2CE-6362-4542-9DB1-58A415D024CC}"/>
+              </a:ext>
+            </a:extLst>
+          </p:cNvPr>
+          <p:cNvPicPr>
+            <a:picLocks noChangeAspect="1" noChangeArrowheads="1"/>
+          </p:cNvPicPr>
+          <p:nvPr/>
+        </p:nvPicPr>
+        <p:blipFill>
+          <a:blip r:embed="rId2">
+            <a:extLst>
+              <a:ext uri="{28A0092B-C50C-407E-A947-70E740481C1C}">
+                <a14:useLocalDpi xmlns:a14="http://schemas.microsoft.com/office/drawing/2010/main" val="0"/>
+              </a:ext>
+            </a:extLst>
+          </a:blip>
+          <a:srcRect/>
+          <a:stretch>
+            <a:fillRect/>
+          </a:stretch>
+        </p:blipFill>
+        <p:spPr bwMode="auto">
+          <a:xfrm>
+            <a:off x="4836448" y="1318906"/>
+            <a:ext cx="3157844" cy="1994149"/>
+          </a:xfrm>
+          <a:prstGeom prst="rect">
+            <a:avLst/>
+          </a:prstGeom>
+          <a:noFill/>
+          <a:extLst>
+            <a:ext uri="{909E8E84-426E-40DD-AFC4-6F175D3DCCD1}">
+              <a14:hiddenFill xmlns:a14="http://schemas.microsoft.com/office/drawing/2010/main">
+                <a:solidFill>
+                  <a:srgbClr val="FFFFFF"/>
+                </a:solidFill>
+              </a14:hiddenFill>
+            </a:ext>
+          </a:extLst>
+        </p:spPr>
+      </p:pic>
+      <p:sp>
+        <p:nvSpPr>
+          <p:cNvPr id="9" name="TextBox 8">
+            <a:extLst>
+              <a:ext uri="{FF2B5EF4-FFF2-40B4-BE49-F238E27FC236}">
+                <a16:creationId xmlns:a16="http://schemas.microsoft.com/office/drawing/2014/main" id="{68E3E121-6FF8-4477-98A5-1B0C313B57EB}"/>
+              </a:ext>
+            </a:extLst>
+          </p:cNvPr>
+          <p:cNvSpPr txBox="1"/>
+          <p:nvPr/>
+        </p:nvSpPr>
+        <p:spPr>
+          <a:xfrm>
+            <a:off x="5421459" y="3479381"/>
+            <a:ext cx="1987821" cy="388568"/>
+          </a:xfrm>
+          <a:prstGeom prst="rect">
+            <a:avLst/>
+          </a:prstGeom>
+          <a:noFill/>
+        </p:spPr>
+        <p:txBody>
+          <a:bodyPr wrap="square">
+            <a:spAutoFit/>
+          </a:bodyPr>
+          <a:lstStyle>
+            <a:defPPr>
+              <a:defRPr lang="ko-KR"/>
+            </a:defPPr>
+            <a:lvl1pPr>
+              <a:lnSpc>
+                <a:spcPct val="150000"/>
+              </a:lnSpc>
+              <a:defRPr sz="1400">
+                <a:latin typeface="나눔바른고딕" panose="020B0603020101020101" pitchFamily="50" charset="-127"/>
+                <a:ea typeface="나눔바른고딕" panose="020B0603020101020101" pitchFamily="50" charset="-127"/>
+              </a:defRPr>
+            </a:lvl1pPr>
+          </a:lstStyle>
+          <a:p>
+            <a:r>
+              <a:rPr lang="ko-KR" altLang="en-US" dirty="0"/>
+              <a:t>문구 </a:t>
+            </a:r>
+            <a:r>
+              <a:rPr lang="en-US" altLang="ko-KR" dirty="0"/>
+              <a:t>RFID </a:t>
+            </a:r>
+            <a:r>
+              <a:rPr lang="ko-KR" altLang="en-US" dirty="0"/>
+              <a:t>기기 배출량</a:t>
+            </a:r>
+          </a:p>
+        </p:txBody>
+      </p:sp>
+      <p:sp>
+        <p:nvSpPr>
+          <p:cNvPr id="10" name="TextBox 9">
+            <a:extLst>
+              <a:ext uri="{FF2B5EF4-FFF2-40B4-BE49-F238E27FC236}">
+                <a16:creationId xmlns:a16="http://schemas.microsoft.com/office/drawing/2014/main" id="{61A54989-2A24-46E2-92DD-72290DB8ACF0}"/>
+              </a:ext>
+            </a:extLst>
+          </p:cNvPr>
+          <p:cNvSpPr txBox="1"/>
+          <p:nvPr/>
+        </p:nvSpPr>
+        <p:spPr>
+          <a:xfrm>
+            <a:off x="5168614" y="3875129"/>
+            <a:ext cx="2493509" cy="388568"/>
+          </a:xfrm>
+          <a:prstGeom prst="rect">
+            <a:avLst/>
+          </a:prstGeom>
+          <a:noFill/>
+        </p:spPr>
+        <p:txBody>
+          <a:bodyPr wrap="square">
+            <a:spAutoFit/>
+          </a:bodyPr>
+          <a:lstStyle>
+            <a:defPPr>
+              <a:defRPr lang="ko-KR"/>
+            </a:defPPr>
+            <a:lvl1pPr>
+              <a:lnSpc>
+                <a:spcPct val="150000"/>
+              </a:lnSpc>
+              <a:defRPr sz="1400">
+                <a:latin typeface="나눔바른고딕" panose="020B0603020101020101" pitchFamily="50" charset="-127"/>
+                <a:ea typeface="나눔바른고딕" panose="020B0603020101020101" pitchFamily="50" charset="-127"/>
+              </a:defRPr>
+            </a:lvl1pPr>
+          </a:lstStyle>
+          <a:p>
+            <a:r>
+              <a:rPr lang="en-US" altLang="ko-KR" dirty="0"/>
+              <a:t>(</a:t>
+            </a:r>
+            <a:r>
+              <a:rPr lang="ko-KR" altLang="en-US" dirty="0"/>
+              <a:t>신도시</a:t>
+            </a:r>
+            <a:r>
+              <a:rPr lang="en-US" altLang="ko-KR" dirty="0"/>
+              <a:t>, </a:t>
+            </a:r>
+            <a:r>
+              <a:rPr lang="ko-KR" altLang="en-US" dirty="0"/>
+              <a:t>새 아파트 단지 예상</a:t>
+            </a:r>
+            <a:r>
+              <a:rPr lang="en-US" altLang="ko-KR" dirty="0"/>
+              <a:t>)</a:t>
+            </a:r>
+            <a:endParaRPr lang="ko-KR" altLang="en-US" dirty="0"/>
+          </a:p>
+        </p:txBody>
+      </p:sp>
+      <p:sp>
+        <p:nvSpPr>
+          <p:cNvPr id="11" name="TextBox 10">
+            <a:extLst>
+              <a:ext uri="{FF2B5EF4-FFF2-40B4-BE49-F238E27FC236}">
+                <a16:creationId xmlns:a16="http://schemas.microsoft.com/office/drawing/2014/main" id="{25584121-5B1F-4B34-B1E1-C28D98003FD9}"/>
+              </a:ext>
+            </a:extLst>
+          </p:cNvPr>
+          <p:cNvSpPr txBox="1"/>
+          <p:nvPr/>
+        </p:nvSpPr>
+        <p:spPr>
+          <a:xfrm>
+            <a:off x="4515832" y="4270877"/>
+            <a:ext cx="3799071" cy="325089"/>
+          </a:xfrm>
+          <a:prstGeom prst="rect">
+            <a:avLst/>
+          </a:prstGeom>
+          <a:noFill/>
+        </p:spPr>
+        <p:txBody>
+          <a:bodyPr wrap="square">
+            <a:spAutoFit/>
+          </a:bodyPr>
+          <a:lstStyle>
+            <a:defPPr>
+              <a:defRPr lang="ko-KR"/>
+            </a:defPPr>
+            <a:lvl1pPr>
+              <a:lnSpc>
+                <a:spcPct val="150000"/>
+              </a:lnSpc>
+              <a:defRPr sz="1400">
+                <a:latin typeface="나눔바른고딕" panose="020B0603020101020101" pitchFamily="50" charset="-127"/>
+                <a:ea typeface="나눔바른고딕" panose="020B0603020101020101" pitchFamily="50" charset="-127"/>
+              </a:defRPr>
+            </a:lvl1pPr>
+          </a:lstStyle>
+          <a:p>
+            <a:r>
+              <a:rPr lang="en-US" altLang="ko-KR" sz="1100" dirty="0">
+                <a:solidFill>
+                  <a:schemeClr val="bg1">
+                    <a:lumMod val="50000"/>
+                  </a:schemeClr>
+                </a:solidFill>
+              </a:rPr>
+              <a:t>“</a:t>
+            </a:r>
+            <a:r>
+              <a:rPr lang="ko-KR" altLang="en-US" sz="1100" dirty="0">
+                <a:solidFill>
+                  <a:schemeClr val="bg1">
+                    <a:lumMod val="50000"/>
+                  </a:schemeClr>
+                </a:solidFill>
+              </a:rPr>
+              <a:t>당신은 이 아파트에서 음식물 쓰레기 배출량이 상위 </a:t>
+            </a:r>
+            <a:r>
+              <a:rPr lang="en-US" altLang="ko-KR" sz="1100" dirty="0">
+                <a:solidFill>
+                  <a:schemeClr val="bg1">
+                    <a:lumMod val="50000"/>
+                  </a:schemeClr>
+                </a:solidFill>
+              </a:rPr>
+              <a:t>90%</a:t>
+            </a:r>
+            <a:r>
+              <a:rPr lang="ko-KR" altLang="en-US" sz="1100" dirty="0">
+                <a:solidFill>
+                  <a:schemeClr val="bg1">
+                    <a:lumMod val="50000"/>
+                  </a:schemeClr>
+                </a:solidFill>
+              </a:rPr>
+              <a:t>입니다</a:t>
+            </a:r>
+            <a:r>
+              <a:rPr lang="en-US" altLang="ko-KR" sz="1100" dirty="0">
+                <a:solidFill>
+                  <a:schemeClr val="bg1">
+                    <a:lumMod val="50000"/>
+                  </a:schemeClr>
+                </a:solidFill>
+              </a:rPr>
+              <a:t>.”</a:t>
+            </a:r>
+            <a:endParaRPr lang="ko-KR" altLang="en-US" sz="1100" dirty="0">
+              <a:solidFill>
+                <a:schemeClr val="bg1">
+                  <a:lumMod val="50000"/>
+                </a:schemeClr>
+              </a:solidFill>
+            </a:endParaRPr>
+          </a:p>
+        </p:txBody>
+      </p:sp>
+      <p:sp>
+        <p:nvSpPr>
+          <p:cNvPr id="12" name="TextBox 11">
+            <a:extLst>
+              <a:ext uri="{FF2B5EF4-FFF2-40B4-BE49-F238E27FC236}">
+                <a16:creationId xmlns:a16="http://schemas.microsoft.com/office/drawing/2014/main" id="{77E982F9-E253-4471-B655-FE8DC9893460}"/>
+              </a:ext>
+            </a:extLst>
+          </p:cNvPr>
+          <p:cNvSpPr txBox="1"/>
+          <p:nvPr/>
+        </p:nvSpPr>
+        <p:spPr>
+          <a:xfrm>
+            <a:off x="8947338" y="1280960"/>
+            <a:ext cx="2802210" cy="1358064"/>
+          </a:xfrm>
+          <a:prstGeom prst="rect">
+            <a:avLst/>
+          </a:prstGeom>
+          <a:noFill/>
+        </p:spPr>
+        <p:txBody>
+          <a:bodyPr wrap="square">
+            <a:spAutoFit/>
+          </a:bodyPr>
+          <a:lstStyle>
+            <a:defPPr>
+              <a:defRPr lang="ko-KR"/>
+            </a:defPPr>
+            <a:lvl1pPr>
+              <a:lnSpc>
+                <a:spcPct val="150000"/>
+              </a:lnSpc>
+              <a:defRPr sz="1400">
+                <a:latin typeface="나눔바른고딕" panose="020B0603020101020101" pitchFamily="50" charset="-127"/>
+                <a:ea typeface="나눔바른고딕" panose="020B0603020101020101" pitchFamily="50" charset="-127"/>
+              </a:defRPr>
+            </a:lvl1pPr>
+          </a:lstStyle>
+          <a:p>
+            <a:pPr marL="285750" indent="-285750">
+              <a:buFontTx/>
+              <a:buChar char="-"/>
+            </a:pPr>
+            <a:r>
+              <a:rPr lang="ko-KR" altLang="en-US" dirty="0" err="1"/>
+              <a:t>가구원</a:t>
+            </a:r>
+            <a:r>
+              <a:rPr lang="ko-KR" altLang="en-US" dirty="0"/>
+              <a:t> 나이 비교</a:t>
+            </a:r>
+            <a:endParaRPr lang="en-US" altLang="ko-KR" dirty="0"/>
+          </a:p>
+          <a:p>
+            <a:r>
+              <a:rPr lang="en-US" altLang="ko-KR" dirty="0"/>
+              <a:t>(</a:t>
+            </a:r>
+            <a:r>
+              <a:rPr lang="ko-KR" altLang="en-US" dirty="0"/>
+              <a:t>젊은 층에게는 효과가 없더라</a:t>
+            </a:r>
+            <a:r>
+              <a:rPr lang="en-US" altLang="ko-KR" dirty="0"/>
+              <a:t>.)</a:t>
+            </a:r>
+          </a:p>
+          <a:p>
+            <a:pPr marL="285750" indent="-285750">
+              <a:buFontTx/>
+              <a:buChar char="-"/>
+            </a:pPr>
+            <a:r>
+              <a:rPr lang="ko-KR" altLang="en-US" dirty="0"/>
+              <a:t>가구 소득 비교</a:t>
+            </a:r>
+            <a:endParaRPr lang="en-US" altLang="ko-KR" dirty="0"/>
+          </a:p>
+          <a:p>
+            <a:r>
+              <a:rPr lang="en-US" altLang="ko-KR" dirty="0"/>
+              <a:t>(</a:t>
+            </a:r>
+            <a:r>
+              <a:rPr lang="ko-KR" altLang="en-US" dirty="0"/>
+              <a:t>저소득 사람들은 신경 </a:t>
+            </a:r>
+            <a:r>
+              <a:rPr lang="ko-KR" altLang="en-US" dirty="0" err="1"/>
+              <a:t>안쓰더라</a:t>
+            </a:r>
+            <a:r>
+              <a:rPr lang="en-US" altLang="ko-KR" dirty="0"/>
+              <a:t>.)</a:t>
+            </a:r>
+          </a:p>
+        </p:txBody>
+      </p:sp>
+      <p:sp>
+        <p:nvSpPr>
+          <p:cNvPr id="2" name="직사각형 1">
+            <a:extLst>
+              <a:ext uri="{FF2B5EF4-FFF2-40B4-BE49-F238E27FC236}">
+                <a16:creationId xmlns:a16="http://schemas.microsoft.com/office/drawing/2014/main" id="{5747E0A3-CA4B-4BB0-B3AC-57DCE4C5834F}"/>
+              </a:ext>
+            </a:extLst>
+          </p:cNvPr>
+          <p:cNvSpPr/>
+          <p:nvPr/>
+        </p:nvSpPr>
+        <p:spPr>
+          <a:xfrm>
+            <a:off x="8947338" y="2678545"/>
+            <a:ext cx="2493509" cy="2373746"/>
+          </a:xfrm>
+          <a:prstGeom prst="rect">
+            <a:avLst/>
+          </a:prstGeom>
+          <a:noFill/>
+          <a:ln w="76200">
+            <a:solidFill>
+              <a:srgbClr val="FFC000"/>
+            </a:solidFill>
+          </a:ln>
+        </p:spPr>
+        <p:style>
+          <a:lnRef idx="2">
+            <a:schemeClr val="accent1">
+              <a:shade val="50000"/>
+            </a:schemeClr>
+          </a:lnRef>
+          <a:fillRef idx="1">
+            <a:schemeClr val="accent1"/>
+          </a:fillRef>
+          <a:effectRef idx="0">
+            <a:schemeClr val="accent1"/>
+          </a:effectRef>
+          <a:fontRef idx="minor">
+            <a:schemeClr val="lt1"/>
+          </a:fontRef>
+        </p:style>
+        <p:txBody>
+          <a:bodyPr rtlCol="0" anchor="ctr"/>
+          <a:lstStyle/>
+          <a:p>
+            <a:pPr algn="ctr"/>
+            <a:endParaRPr lang="ko-KR" altLang="en-US" dirty="0">
+              <a:highlight>
+                <a:srgbClr val="FF0000"/>
+              </a:highlight>
+            </a:endParaRPr>
+          </a:p>
+        </p:txBody>
+      </p:sp>
+      <p:sp>
+        <p:nvSpPr>
+          <p:cNvPr id="13" name="TextBox 12">
+            <a:extLst>
+              <a:ext uri="{FF2B5EF4-FFF2-40B4-BE49-F238E27FC236}">
+                <a16:creationId xmlns:a16="http://schemas.microsoft.com/office/drawing/2014/main" id="{1D60D1C1-7FA9-45EE-86A1-599061C53E66}"/>
+              </a:ext>
+            </a:extLst>
+          </p:cNvPr>
+          <p:cNvSpPr txBox="1"/>
+          <p:nvPr/>
+        </p:nvSpPr>
+        <p:spPr>
+          <a:xfrm>
+            <a:off x="9074126" y="3641657"/>
+            <a:ext cx="2239931" cy="388568"/>
+          </a:xfrm>
+          <a:prstGeom prst="rect">
+            <a:avLst/>
+          </a:prstGeom>
+          <a:noFill/>
+        </p:spPr>
+        <p:txBody>
+          <a:bodyPr wrap="square">
+            <a:spAutoFit/>
+          </a:bodyPr>
+          <a:lstStyle>
+            <a:defPPr>
+              <a:defRPr lang="ko-KR"/>
+            </a:defPPr>
+            <a:lvl1pPr>
+              <a:lnSpc>
+                <a:spcPct val="150000"/>
+              </a:lnSpc>
+              <a:defRPr sz="1400">
+                <a:latin typeface="나눔바른고딕" panose="020B0603020101020101" pitchFamily="50" charset="-127"/>
+                <a:ea typeface="나눔바른고딕" panose="020B0603020101020101" pitchFamily="50" charset="-127"/>
+              </a:defRPr>
+            </a:lvl1pPr>
+          </a:lstStyle>
+          <a:p>
+            <a:r>
+              <a:rPr lang="ko-KR" altLang="en-US" dirty="0"/>
+              <a:t>더 비교할 게 무엇이 있을지</a:t>
+            </a:r>
+            <a:r>
+              <a:rPr lang="en-US" altLang="ko-KR" dirty="0"/>
+              <a:t>..</a:t>
+            </a:r>
+          </a:p>
+        </p:txBody>
+      </p:sp>
+    </p:spTree>
+    <p:extLst>
+      <p:ext uri="{BB962C8B-B14F-4D97-AF65-F5344CB8AC3E}">
+        <p14:creationId xmlns:p14="http://schemas.microsoft.com/office/powerpoint/2010/main" val="3886982116"/>
+      </p:ext>
+    </p:extLst>
+  </p:cSld>
+  <p:clrMapOvr>
+    <a:masterClrMapping/>
+  </p:clrMapOvr>
+</p:sld>
+</file>
+
+<file path=ppt/slides/slide4.xml><?xml version="1.0" encoding="utf-8"?>
+<p:sld xmlns:a="http://schemas.openxmlformats.org/drawingml/2006/main" xmlns:r="http://schemas.openxmlformats.org/officeDocument/2006/relationships" xmlns:p="http://schemas.openxmlformats.org/presentationml/2006/main">
+  <p:cSld>
+    <p:spTree>
+      <p:nvGrpSpPr>
+        <p:cNvPr id="1" name=""/>
+        <p:cNvGrpSpPr/>
+        <p:nvPr/>
+      </p:nvGrpSpPr>
+      <p:grpSpPr>
+        <a:xfrm>
+          <a:off x="0" y="0"/>
+          <a:ext cx="0" cy="0"/>
+          <a:chOff x="0" y="0"/>
+          <a:chExt cx="0" cy="0"/>
+        </a:xfrm>
+      </p:grpSpPr>
+      <p:pic>
+        <p:nvPicPr>
+          <p:cNvPr id="5" name="그림 4">
+            <a:extLst>
+              <a:ext uri="{FF2B5EF4-FFF2-40B4-BE49-F238E27FC236}">
+                <a16:creationId xmlns:a16="http://schemas.microsoft.com/office/drawing/2014/main" id="{FC8CBA86-2116-4DBA-B811-7011827BC7CE}"/>
+              </a:ext>
+            </a:extLst>
+          </p:cNvPr>
+          <p:cNvPicPr>
+            <a:picLocks noChangeAspect="1"/>
+          </p:cNvPicPr>
+          <p:nvPr/>
+        </p:nvPicPr>
+        <p:blipFill>
+          <a:blip r:embed="rId2"/>
+          <a:stretch>
+            <a:fillRect/>
+          </a:stretch>
+        </p:blipFill>
+        <p:spPr>
+          <a:xfrm>
+            <a:off x="6415370" y="2132908"/>
+            <a:ext cx="5516997" cy="2189513"/>
+          </a:xfrm>
+          <a:prstGeom prst="rect">
+            <a:avLst/>
+          </a:prstGeom>
+        </p:spPr>
+      </p:pic>
+      <p:pic>
+        <p:nvPicPr>
+          <p:cNvPr id="7" name="그림 6">
+            <a:extLst>
+              <a:ext uri="{FF2B5EF4-FFF2-40B4-BE49-F238E27FC236}">
+                <a16:creationId xmlns:a16="http://schemas.microsoft.com/office/drawing/2014/main" id="{B15A627E-14D9-4447-B5F2-EADE827C0EB8}"/>
+              </a:ext>
+            </a:extLst>
+          </p:cNvPr>
+          <p:cNvPicPr>
+            <a:picLocks noChangeAspect="1"/>
+          </p:cNvPicPr>
+          <p:nvPr/>
+        </p:nvPicPr>
+        <p:blipFill>
+          <a:blip r:embed="rId3"/>
+          <a:stretch>
+            <a:fillRect/>
+          </a:stretch>
+        </p:blipFill>
+        <p:spPr>
+          <a:xfrm>
+            <a:off x="420556" y="2248610"/>
+            <a:ext cx="5526237" cy="2360780"/>
+          </a:xfrm>
+          <a:prstGeom prst="rect">
+            <a:avLst/>
+          </a:prstGeom>
+        </p:spPr>
+      </p:pic>
+      <p:sp>
+        <p:nvSpPr>
+          <p:cNvPr id="8" name="TextBox 7">
+            <a:extLst>
+              <a:ext uri="{FF2B5EF4-FFF2-40B4-BE49-F238E27FC236}">
+                <a16:creationId xmlns:a16="http://schemas.microsoft.com/office/drawing/2014/main" id="{2CD498CE-E5FD-4A11-A8DD-FB00789981AF}"/>
+              </a:ext>
+            </a:extLst>
+          </p:cNvPr>
+          <p:cNvSpPr txBox="1"/>
+          <p:nvPr/>
+        </p:nvSpPr>
+        <p:spPr>
+          <a:xfrm>
+            <a:off x="321998" y="584718"/>
+            <a:ext cx="6093372" cy="369332"/>
+          </a:xfrm>
+          <a:prstGeom prst="rect">
+            <a:avLst/>
+          </a:prstGeom>
+          <a:noFill/>
+        </p:spPr>
+        <p:txBody>
+          <a:bodyPr wrap="square">
+            <a:spAutoFit/>
+          </a:bodyPr>
+          <a:lstStyle/>
+          <a:p>
+            <a:pPr algn="l"/>
+            <a:r>
+              <a:rPr lang="en-US" altLang="ko-KR" b="0" i="0" dirty="0">
+                <a:solidFill>
+                  <a:srgbClr val="000000"/>
+                </a:solidFill>
+                <a:effectLst/>
+                <a:latin typeface="레시피코리아 Medium" panose="02020603020101020101" pitchFamily="18" charset="-127"/>
+                <a:ea typeface="레시피코리아 Medium" panose="02020603020101020101" pitchFamily="18" charset="-127"/>
+              </a:rPr>
+              <a:t>RFID </a:t>
+            </a:r>
+            <a:r>
+              <a:rPr lang="ko-KR" altLang="en-US" b="0" i="0" dirty="0">
+                <a:solidFill>
+                  <a:srgbClr val="000000"/>
+                </a:solidFill>
+                <a:effectLst/>
+                <a:latin typeface="레시피코리아 Medium" panose="02020603020101020101" pitchFamily="18" charset="-127"/>
+                <a:ea typeface="레시피코리아 Medium" panose="02020603020101020101" pitchFamily="18" charset="-127"/>
+              </a:rPr>
+              <a:t>음식물 쓰레기 관련 데이터</a:t>
+            </a:r>
+          </a:p>
+        </p:txBody>
+      </p:sp>
+      <p:sp>
+        <p:nvSpPr>
+          <p:cNvPr id="9" name="TextBox 8">
+            <a:extLst>
+              <a:ext uri="{FF2B5EF4-FFF2-40B4-BE49-F238E27FC236}">
+                <a16:creationId xmlns:a16="http://schemas.microsoft.com/office/drawing/2014/main" id="{0CC5E544-4784-4288-9746-F22ED69C13D3}"/>
+              </a:ext>
+            </a:extLst>
+          </p:cNvPr>
+          <p:cNvSpPr txBox="1"/>
+          <p:nvPr/>
+        </p:nvSpPr>
+        <p:spPr>
+          <a:xfrm>
+            <a:off x="6415370" y="1293777"/>
+            <a:ext cx="3439830" cy="711733"/>
+          </a:xfrm>
+          <a:prstGeom prst="rect">
+            <a:avLst/>
+          </a:prstGeom>
+          <a:noFill/>
+        </p:spPr>
+        <p:txBody>
+          <a:bodyPr wrap="square">
+            <a:spAutoFit/>
+          </a:bodyPr>
+          <a:lstStyle>
+            <a:defPPr>
+              <a:defRPr lang="ko-KR"/>
+            </a:defPPr>
+            <a:lvl1pPr>
+              <a:lnSpc>
+                <a:spcPct val="150000"/>
+              </a:lnSpc>
+              <a:defRPr sz="1400">
+                <a:latin typeface="나눔바른고딕" panose="020B0603020101020101" pitchFamily="50" charset="-127"/>
+                <a:ea typeface="나눔바른고딕" panose="020B0603020101020101" pitchFamily="50" charset="-127"/>
+              </a:defRPr>
+            </a:lvl1pPr>
+          </a:lstStyle>
+          <a:p>
+            <a:r>
+              <a:rPr lang="en-US" altLang="ko-KR" b="1" dirty="0"/>
+              <a:t>RFID </a:t>
+            </a:r>
+            <a:r>
+              <a:rPr lang="ko-KR" altLang="en-US" b="1" dirty="0"/>
+              <a:t>설치 정보</a:t>
+            </a:r>
+            <a:endParaRPr lang="en-US" altLang="ko-KR" b="1" dirty="0"/>
+          </a:p>
+          <a:p>
+            <a:r>
+              <a:rPr lang="en-US" altLang="ko-KR" dirty="0"/>
+              <a:t>RFID</a:t>
+            </a:r>
+            <a:r>
+              <a:rPr lang="ko-KR" altLang="en-US" dirty="0"/>
+              <a:t> 설치 대수</a:t>
+            </a:r>
+            <a:r>
+              <a:rPr lang="en-US" altLang="ko-KR" dirty="0"/>
+              <a:t>/ </a:t>
+            </a:r>
+            <a:r>
+              <a:rPr lang="ko-KR" altLang="en-US" dirty="0"/>
+              <a:t>세대 수 </a:t>
+            </a:r>
+            <a:r>
+              <a:rPr lang="en-US" altLang="ko-KR" dirty="0"/>
+              <a:t>/ </a:t>
+            </a:r>
+            <a:r>
+              <a:rPr lang="ko-KR" altLang="en-US" dirty="0"/>
+              <a:t>설치 아파트 명</a:t>
+            </a:r>
+          </a:p>
+        </p:txBody>
+      </p:sp>
+      <p:sp>
+        <p:nvSpPr>
+          <p:cNvPr id="10" name="TextBox 9">
+            <a:extLst>
+              <a:ext uri="{FF2B5EF4-FFF2-40B4-BE49-F238E27FC236}">
+                <a16:creationId xmlns:a16="http://schemas.microsoft.com/office/drawing/2014/main" id="{27F2A1D5-30E3-4D57-822F-523EFBC5405A}"/>
+              </a:ext>
+            </a:extLst>
+          </p:cNvPr>
+          <p:cNvSpPr txBox="1"/>
+          <p:nvPr/>
+        </p:nvSpPr>
+        <p:spPr>
+          <a:xfrm>
+            <a:off x="420556" y="1293777"/>
+            <a:ext cx="3439830" cy="711733"/>
+          </a:xfrm>
+          <a:prstGeom prst="rect">
+            <a:avLst/>
+          </a:prstGeom>
+          <a:noFill/>
+        </p:spPr>
+        <p:txBody>
+          <a:bodyPr wrap="square">
+            <a:spAutoFit/>
+          </a:bodyPr>
+          <a:lstStyle>
+            <a:defPPr>
+              <a:defRPr lang="ko-KR"/>
+            </a:defPPr>
+            <a:lvl1pPr>
+              <a:lnSpc>
+                <a:spcPct val="150000"/>
+              </a:lnSpc>
+              <a:defRPr sz="1400">
+                <a:latin typeface="나눔바른고딕" panose="020B0603020101020101" pitchFamily="50" charset="-127"/>
+                <a:ea typeface="나눔바른고딕" panose="020B0603020101020101" pitchFamily="50" charset="-127"/>
+              </a:defRPr>
+            </a:lvl1pPr>
+          </a:lstStyle>
+          <a:p>
+            <a:r>
+              <a:rPr lang="ko-KR" altLang="en-US" b="1" dirty="0"/>
+              <a:t>기본 통계 데이터</a:t>
+            </a:r>
+            <a:endParaRPr lang="en-US" altLang="ko-KR" b="1" dirty="0"/>
+          </a:p>
+          <a:p>
+            <a:r>
+              <a:rPr lang="ko-KR" altLang="en-US" dirty="0"/>
+              <a:t>음식물쓰레기 통계</a:t>
+            </a:r>
+            <a:r>
+              <a:rPr lang="en-US" altLang="ko-KR" dirty="0"/>
+              <a:t>, RFID </a:t>
+            </a:r>
+            <a:r>
+              <a:rPr lang="ko-KR" altLang="en-US" dirty="0"/>
+              <a:t>통계</a:t>
+            </a:r>
+            <a:r>
+              <a:rPr lang="en-US" altLang="ko-KR" dirty="0"/>
+              <a:t>.</a:t>
+            </a:r>
+            <a:endParaRPr lang="ko-KR" altLang="en-US" dirty="0"/>
+          </a:p>
+        </p:txBody>
+      </p:sp>
+    </p:spTree>
+    <p:extLst>
+      <p:ext uri="{BB962C8B-B14F-4D97-AF65-F5344CB8AC3E}">
+        <p14:creationId xmlns:p14="http://schemas.microsoft.com/office/powerpoint/2010/main" val="400337878"/>
+      </p:ext>
+    </p:extLst>
+  </p:cSld>
+  <p:clrMapOvr>
+    <a:masterClrMapping/>
+  </p:clrMapOvr>
+</p:sld>
+</file>
+
+<file path=ppt/slides/slide5.xml><?xml version="1.0" encoding="utf-8"?>
+<p:sld xmlns:a="http://schemas.openxmlformats.org/drawingml/2006/main" xmlns:r="http://schemas.openxmlformats.org/officeDocument/2006/relationships" xmlns:p="http://schemas.openxmlformats.org/presentationml/2006/main">
+  <p:cSld>
+    <p:spTree>
+      <p:nvGrpSpPr>
+        <p:cNvPr id="1" name=""/>
+        <p:cNvGrpSpPr/>
+        <p:nvPr/>
+      </p:nvGrpSpPr>
+      <p:grpSpPr>
+        <a:xfrm>
+          <a:off x="0" y="0"/>
+          <a:ext cx="0" cy="0"/>
+          <a:chOff x="0" y="0"/>
+          <a:chExt cx="0" cy="0"/>
+        </a:xfrm>
+      </p:grpSpPr>
+      <p:sp>
+        <p:nvSpPr>
+          <p:cNvPr id="8" name="TextBox 7">
+            <a:extLst>
+              <a:ext uri="{FF2B5EF4-FFF2-40B4-BE49-F238E27FC236}">
+                <a16:creationId xmlns:a16="http://schemas.microsoft.com/office/drawing/2014/main" id="{2CD498CE-E5FD-4A11-A8DD-FB00789981AF}"/>
+              </a:ext>
+            </a:extLst>
+          </p:cNvPr>
+          <p:cNvSpPr txBox="1"/>
+          <p:nvPr/>
+        </p:nvSpPr>
+        <p:spPr>
+          <a:xfrm>
+            <a:off x="321998" y="584718"/>
+            <a:ext cx="6093372" cy="369332"/>
+          </a:xfrm>
+          <a:prstGeom prst="rect">
+            <a:avLst/>
+          </a:prstGeom>
+          <a:noFill/>
+        </p:spPr>
+        <p:txBody>
+          <a:bodyPr wrap="square">
+            <a:spAutoFit/>
+          </a:bodyPr>
+          <a:lstStyle/>
+          <a:p>
+            <a:pPr algn="l"/>
+            <a:r>
+              <a:rPr lang="en-US" altLang="ko-KR" b="0" i="0" dirty="0">
+                <a:solidFill>
+                  <a:srgbClr val="000000"/>
+                </a:solidFill>
+                <a:effectLst/>
+                <a:latin typeface="레시피코리아 Medium" panose="02020603020101020101" pitchFamily="18" charset="-127"/>
+                <a:ea typeface="레시피코리아 Medium" panose="02020603020101020101" pitchFamily="18" charset="-127"/>
+              </a:rPr>
+              <a:t>RFID </a:t>
+            </a:r>
+            <a:r>
+              <a:rPr lang="ko-KR" altLang="en-US" b="0" i="0" dirty="0">
+                <a:solidFill>
+                  <a:srgbClr val="000000"/>
+                </a:solidFill>
+                <a:effectLst/>
+                <a:latin typeface="레시피코리아 Medium" panose="02020603020101020101" pitchFamily="18" charset="-127"/>
+                <a:ea typeface="레시피코리아 Medium" panose="02020603020101020101" pitchFamily="18" charset="-127"/>
+              </a:rPr>
+              <a:t>음식물 쓰레기 관련 데이터</a:t>
+            </a:r>
+          </a:p>
+        </p:txBody>
+      </p:sp>
+      <p:pic>
+        <p:nvPicPr>
+          <p:cNvPr id="3" name="그림 2">
+            <a:extLst>
+              <a:ext uri="{FF2B5EF4-FFF2-40B4-BE49-F238E27FC236}">
+                <a16:creationId xmlns:a16="http://schemas.microsoft.com/office/drawing/2014/main" id="{3C7DECB6-D211-4CF5-B20D-FA2B268C8BCC}"/>
+              </a:ext>
+            </a:extLst>
+          </p:cNvPr>
+          <p:cNvPicPr>
+            <a:picLocks noChangeAspect="1"/>
+          </p:cNvPicPr>
+          <p:nvPr/>
+        </p:nvPicPr>
+        <p:blipFill>
+          <a:blip r:embed="rId2"/>
+          <a:stretch>
+            <a:fillRect/>
+          </a:stretch>
+        </p:blipFill>
+        <p:spPr>
+          <a:xfrm>
+            <a:off x="6415370" y="2271579"/>
+            <a:ext cx="5439534" cy="3953427"/>
+          </a:xfrm>
+          <a:prstGeom prst="rect">
+            <a:avLst/>
+          </a:prstGeom>
+        </p:spPr>
+      </p:pic>
+      <p:pic>
+        <p:nvPicPr>
+          <p:cNvPr id="6" name="그림 5">
+            <a:extLst>
+              <a:ext uri="{FF2B5EF4-FFF2-40B4-BE49-F238E27FC236}">
+                <a16:creationId xmlns:a16="http://schemas.microsoft.com/office/drawing/2014/main" id="{74AAA194-E470-4007-8734-99641672A7DF}"/>
+              </a:ext>
+            </a:extLst>
+          </p:cNvPr>
+          <p:cNvPicPr>
+            <a:picLocks noChangeAspect="1"/>
+          </p:cNvPicPr>
+          <p:nvPr/>
+        </p:nvPicPr>
+        <p:blipFill>
+          <a:blip r:embed="rId3"/>
+          <a:stretch>
+            <a:fillRect/>
+          </a:stretch>
+        </p:blipFill>
+        <p:spPr>
+          <a:xfrm>
+            <a:off x="1027051" y="2271579"/>
+            <a:ext cx="3581896" cy="4001703"/>
+          </a:xfrm>
+          <a:prstGeom prst="rect">
+            <a:avLst/>
+          </a:prstGeom>
+        </p:spPr>
+      </p:pic>
+      <p:sp>
+        <p:nvSpPr>
+          <p:cNvPr id="9" name="TextBox 8">
+            <a:extLst>
+              <a:ext uri="{FF2B5EF4-FFF2-40B4-BE49-F238E27FC236}">
+                <a16:creationId xmlns:a16="http://schemas.microsoft.com/office/drawing/2014/main" id="{70F62D78-70B5-45B7-9083-AF8749C2B23E}"/>
+              </a:ext>
+            </a:extLst>
+          </p:cNvPr>
+          <p:cNvSpPr txBox="1"/>
+          <p:nvPr/>
+        </p:nvSpPr>
+        <p:spPr>
+          <a:xfrm>
+            <a:off x="504098" y="1281086"/>
+            <a:ext cx="3439830" cy="711733"/>
+          </a:xfrm>
+          <a:prstGeom prst="rect">
+            <a:avLst/>
+          </a:prstGeom>
+          <a:noFill/>
+        </p:spPr>
+        <p:txBody>
+          <a:bodyPr wrap="square">
+            <a:spAutoFit/>
+          </a:bodyPr>
+          <a:lstStyle>
+            <a:defPPr>
+              <a:defRPr lang="ko-KR"/>
+            </a:defPPr>
+            <a:lvl1pPr>
+              <a:lnSpc>
+                <a:spcPct val="150000"/>
+              </a:lnSpc>
+              <a:defRPr sz="1400">
+                <a:latin typeface="나눔바른고딕" panose="020B0603020101020101" pitchFamily="50" charset="-127"/>
+                <a:ea typeface="나눔바른고딕" panose="020B0603020101020101" pitchFamily="50" charset="-127"/>
+              </a:defRPr>
+            </a:lvl1pPr>
+          </a:lstStyle>
+          <a:p>
+            <a:r>
+              <a:rPr lang="ko-KR" altLang="en-US" b="1" dirty="0"/>
+              <a:t>종합배출 내역</a:t>
+            </a:r>
+            <a:r>
+              <a:rPr lang="en-US" altLang="ko-KR" b="1" dirty="0"/>
+              <a:t>(</a:t>
+            </a:r>
+            <a:r>
+              <a:rPr lang="ko-KR" altLang="en-US" b="1" dirty="0"/>
+              <a:t>시간별</a:t>
+            </a:r>
+            <a:r>
+              <a:rPr lang="en-US" altLang="ko-KR" b="1" dirty="0"/>
+              <a:t>, </a:t>
+            </a:r>
+            <a:r>
+              <a:rPr lang="ko-KR" altLang="en-US" b="1" dirty="0"/>
+              <a:t>일별</a:t>
+            </a:r>
+            <a:r>
+              <a:rPr lang="en-US" altLang="ko-KR" b="1" dirty="0"/>
+              <a:t>, </a:t>
+            </a:r>
+            <a:r>
+              <a:rPr lang="ko-KR" altLang="en-US" b="1" dirty="0" err="1"/>
+              <a:t>요일별</a:t>
+            </a:r>
+            <a:r>
+              <a:rPr lang="en-US" altLang="ko-KR" b="1" dirty="0"/>
+              <a:t>)</a:t>
+            </a:r>
+          </a:p>
+          <a:p>
+            <a:r>
+              <a:rPr lang="ko-KR" altLang="en-US" dirty="0"/>
+              <a:t>배출량</a:t>
+            </a:r>
+            <a:r>
+              <a:rPr lang="en-US" altLang="ko-KR" dirty="0"/>
+              <a:t>, </a:t>
+            </a:r>
+            <a:r>
+              <a:rPr lang="ko-KR" altLang="en-US" dirty="0"/>
+              <a:t>배출횟수</a:t>
+            </a:r>
+            <a:endParaRPr lang="en-US" altLang="ko-KR" dirty="0"/>
+          </a:p>
+        </p:txBody>
+      </p:sp>
+      <p:sp>
+        <p:nvSpPr>
+          <p:cNvPr id="10" name="직사각형 9">
+            <a:extLst>
+              <a:ext uri="{FF2B5EF4-FFF2-40B4-BE49-F238E27FC236}">
+                <a16:creationId xmlns:a16="http://schemas.microsoft.com/office/drawing/2014/main" id="{80585EEF-3FA6-4602-AEFE-0618F713203E}"/>
+              </a:ext>
+            </a:extLst>
+          </p:cNvPr>
+          <p:cNvSpPr/>
+          <p:nvPr/>
+        </p:nvSpPr>
+        <p:spPr>
+          <a:xfrm>
+            <a:off x="6520873" y="3315855"/>
+            <a:ext cx="4442691" cy="332509"/>
+          </a:xfrm>
+          <a:prstGeom prst="rect">
+            <a:avLst/>
+          </a:prstGeom>
+          <a:noFill/>
+          <a:ln w="28575">
+            <a:solidFill>
+              <a:srgbClr val="C00000"/>
+            </a:solidFill>
+          </a:ln>
+        </p:spPr>
+        <p:style>
+          <a:lnRef idx="2">
+            <a:schemeClr val="accent1">
+              <a:shade val="50000"/>
+            </a:schemeClr>
+          </a:lnRef>
+          <a:fillRef idx="1">
+            <a:schemeClr val="accent1"/>
+          </a:fillRef>
+          <a:effectRef idx="0">
+            <a:schemeClr val="accent1"/>
+          </a:effectRef>
+          <a:fontRef idx="minor">
+            <a:schemeClr val="lt1"/>
+          </a:fontRef>
+        </p:style>
+        <p:txBody>
+          <a:bodyPr rtlCol="0" anchor="ctr"/>
+          <a:lstStyle/>
+          <a:p>
+            <a:pPr algn="ctr"/>
+            <a:endParaRPr lang="ko-KR" altLang="en-US"/>
+          </a:p>
+        </p:txBody>
+      </p:sp>
+      <p:sp>
+        <p:nvSpPr>
+          <p:cNvPr id="11" name="직사각형 10">
+            <a:extLst>
+              <a:ext uri="{FF2B5EF4-FFF2-40B4-BE49-F238E27FC236}">
+                <a16:creationId xmlns:a16="http://schemas.microsoft.com/office/drawing/2014/main" id="{B79A03C8-84C1-4A3B-B426-BEE945E4D7C6}"/>
+              </a:ext>
+            </a:extLst>
+          </p:cNvPr>
+          <p:cNvSpPr/>
+          <p:nvPr/>
+        </p:nvSpPr>
+        <p:spPr>
+          <a:xfrm>
+            <a:off x="6520872" y="4082037"/>
+            <a:ext cx="4442691" cy="453018"/>
+          </a:xfrm>
+          <a:prstGeom prst="rect">
+            <a:avLst/>
+          </a:prstGeom>
+          <a:noFill/>
+          <a:ln w="28575">
+            <a:solidFill>
+              <a:srgbClr val="C00000"/>
+            </a:solidFill>
+          </a:ln>
+        </p:spPr>
+        <p:style>
+          <a:lnRef idx="2">
+            <a:schemeClr val="accent1">
+              <a:shade val="50000"/>
+            </a:schemeClr>
+          </a:lnRef>
+          <a:fillRef idx="1">
+            <a:schemeClr val="accent1"/>
+          </a:fillRef>
+          <a:effectRef idx="0">
+            <a:schemeClr val="accent1"/>
+          </a:effectRef>
+          <a:fontRef idx="minor">
+            <a:schemeClr val="lt1"/>
+          </a:fontRef>
+        </p:style>
+        <p:txBody>
+          <a:bodyPr rtlCol="0" anchor="ctr"/>
+          <a:lstStyle/>
+          <a:p>
+            <a:pPr algn="ctr"/>
+            <a:endParaRPr lang="ko-KR" altLang="en-US"/>
+          </a:p>
+        </p:txBody>
+      </p:sp>
+      <p:sp>
+        <p:nvSpPr>
+          <p:cNvPr id="12" name="TextBox 11">
+            <a:extLst>
+              <a:ext uri="{FF2B5EF4-FFF2-40B4-BE49-F238E27FC236}">
+                <a16:creationId xmlns:a16="http://schemas.microsoft.com/office/drawing/2014/main" id="{2D523D45-0F29-4A02-B27F-77CB9B71EDD0}"/>
+              </a:ext>
+            </a:extLst>
+          </p:cNvPr>
+          <p:cNvSpPr txBox="1"/>
+          <p:nvPr/>
+        </p:nvSpPr>
+        <p:spPr>
+          <a:xfrm>
+            <a:off x="6520872" y="1281085"/>
+            <a:ext cx="3439830" cy="711733"/>
+          </a:xfrm>
+          <a:prstGeom prst="rect">
+            <a:avLst/>
+          </a:prstGeom>
+          <a:noFill/>
+        </p:spPr>
+        <p:txBody>
+          <a:bodyPr wrap="square">
+            <a:spAutoFit/>
+          </a:bodyPr>
+          <a:lstStyle>
+            <a:defPPr>
+              <a:defRPr lang="ko-KR"/>
+            </a:defPPr>
+            <a:lvl1pPr>
+              <a:lnSpc>
+                <a:spcPct val="150000"/>
+              </a:lnSpc>
+              <a:defRPr sz="1400">
+                <a:latin typeface="나눔바른고딕" panose="020B0603020101020101" pitchFamily="50" charset="-127"/>
+                <a:ea typeface="나눔바른고딕" panose="020B0603020101020101" pitchFamily="50" charset="-127"/>
+              </a:defRPr>
+            </a:lvl1pPr>
+          </a:lstStyle>
+          <a:p>
+            <a:r>
+              <a:rPr lang="ko-KR" altLang="en-US" b="1" dirty="0"/>
+              <a:t>아파트별 배출 내역</a:t>
+            </a:r>
+            <a:r>
+              <a:rPr lang="en-US" altLang="ko-KR" b="1" dirty="0"/>
+              <a:t>(</a:t>
+            </a:r>
+            <a:r>
+              <a:rPr lang="ko-KR" altLang="en-US" b="1" dirty="0"/>
+              <a:t>시간별</a:t>
+            </a:r>
+            <a:r>
+              <a:rPr lang="en-US" altLang="ko-KR" b="1" dirty="0"/>
+              <a:t>, </a:t>
+            </a:r>
+            <a:r>
+              <a:rPr lang="ko-KR" altLang="en-US" b="1" dirty="0"/>
+              <a:t>일별</a:t>
+            </a:r>
+            <a:r>
+              <a:rPr lang="en-US" altLang="ko-KR" b="1" dirty="0"/>
+              <a:t>, </a:t>
+            </a:r>
+            <a:r>
+              <a:rPr lang="ko-KR" altLang="en-US" b="1" dirty="0" err="1"/>
+              <a:t>요일별</a:t>
+            </a:r>
+            <a:r>
+              <a:rPr lang="en-US" altLang="ko-KR" b="1" dirty="0"/>
+              <a:t>)</a:t>
+            </a:r>
+          </a:p>
+          <a:p>
+            <a:r>
+              <a:rPr lang="ko-KR" altLang="en-US" dirty="0"/>
+              <a:t>배출량</a:t>
+            </a:r>
+            <a:r>
+              <a:rPr lang="en-US" altLang="ko-KR" dirty="0"/>
+              <a:t>, </a:t>
+            </a:r>
+            <a:r>
+              <a:rPr lang="ko-KR" altLang="en-US" dirty="0"/>
+              <a:t>배출횟수</a:t>
+            </a:r>
+            <a:endParaRPr lang="en-US" altLang="ko-KR" dirty="0"/>
+          </a:p>
+        </p:txBody>
+      </p:sp>
+    </p:spTree>
+    <p:extLst>
+      <p:ext uri="{BB962C8B-B14F-4D97-AF65-F5344CB8AC3E}">
+        <p14:creationId xmlns:p14="http://schemas.microsoft.com/office/powerpoint/2010/main" val="1722566189"/>
+      </p:ext>
+    </p:extLst>
+  </p:cSld>
+  <p:clrMapOvr>
+    <a:masterClrMapping/>
+  </p:clrMapOvr>
+</p:sld>
+</file>
+
+<file path=ppt/slides/slide6.xml><?xml version="1.0" encoding="utf-8"?>
+<p:sld xmlns:a="http://schemas.openxmlformats.org/drawingml/2006/main" xmlns:r="http://schemas.openxmlformats.org/officeDocument/2006/relationships" xmlns:p="http://schemas.openxmlformats.org/presentationml/2006/main">
+  <p:cSld>
+    <p:spTree>
+      <p:nvGrpSpPr>
+        <p:cNvPr id="1" name=""/>
+        <p:cNvGrpSpPr/>
+        <p:nvPr/>
+      </p:nvGrpSpPr>
+      <p:grpSpPr>
+        <a:xfrm>
+          <a:off x="0" y="0"/>
+          <a:ext cx="0" cy="0"/>
+          <a:chOff x="0" y="0"/>
+          <a:chExt cx="0" cy="0"/>
+        </a:xfrm>
+      </p:grpSpPr>
+      <p:sp>
+        <p:nvSpPr>
+          <p:cNvPr id="8" name="TextBox 7">
+            <a:extLst>
+              <a:ext uri="{FF2B5EF4-FFF2-40B4-BE49-F238E27FC236}">
+                <a16:creationId xmlns:a16="http://schemas.microsoft.com/office/drawing/2014/main" id="{2CD498CE-E5FD-4A11-A8DD-FB00789981AF}"/>
+              </a:ext>
+            </a:extLst>
+          </p:cNvPr>
+          <p:cNvSpPr txBox="1"/>
+          <p:nvPr/>
+        </p:nvSpPr>
+        <p:spPr>
+          <a:xfrm>
+            <a:off x="321998" y="584718"/>
+            <a:ext cx="6093372" cy="369332"/>
+          </a:xfrm>
+          <a:prstGeom prst="rect">
+            <a:avLst/>
+          </a:prstGeom>
+          <a:noFill/>
+        </p:spPr>
+        <p:txBody>
+          <a:bodyPr wrap="square">
+            <a:spAutoFit/>
+          </a:bodyPr>
+          <a:lstStyle/>
+          <a:p>
+            <a:pPr algn="l"/>
+            <a:r>
+              <a:rPr lang="en-US" altLang="ko-KR" b="0" i="0" dirty="0">
+                <a:solidFill>
+                  <a:srgbClr val="000000"/>
+                </a:solidFill>
+                <a:effectLst/>
+                <a:latin typeface="레시피코리아 Medium" panose="02020603020101020101" pitchFamily="18" charset="-127"/>
+                <a:ea typeface="레시피코리아 Medium" panose="02020603020101020101" pitchFamily="18" charset="-127"/>
+              </a:rPr>
+              <a:t>RFID </a:t>
+            </a:r>
+            <a:r>
+              <a:rPr lang="ko-KR" altLang="en-US" b="0" i="0" dirty="0">
+                <a:solidFill>
+                  <a:srgbClr val="000000"/>
+                </a:solidFill>
+                <a:effectLst/>
+                <a:latin typeface="레시피코리아 Medium" panose="02020603020101020101" pitchFamily="18" charset="-127"/>
+                <a:ea typeface="레시피코리아 Medium" panose="02020603020101020101" pitchFamily="18" charset="-127"/>
+              </a:rPr>
+              <a:t>음식물 쓰레기 관련 데이터</a:t>
+            </a:r>
+          </a:p>
+        </p:txBody>
+      </p:sp>
+      <p:sp>
+        <p:nvSpPr>
+          <p:cNvPr id="9" name="TextBox 8">
+            <a:extLst>
+              <a:ext uri="{FF2B5EF4-FFF2-40B4-BE49-F238E27FC236}">
+                <a16:creationId xmlns:a16="http://schemas.microsoft.com/office/drawing/2014/main" id="{70F62D78-70B5-45B7-9083-AF8749C2B23E}"/>
+              </a:ext>
+            </a:extLst>
+          </p:cNvPr>
+          <p:cNvSpPr txBox="1"/>
+          <p:nvPr/>
+        </p:nvSpPr>
+        <p:spPr>
+          <a:xfrm>
+            <a:off x="504098" y="1281086"/>
+            <a:ext cx="3439830" cy="711733"/>
+          </a:xfrm>
+          <a:prstGeom prst="rect">
+            <a:avLst/>
+          </a:prstGeom>
+          <a:noFill/>
+        </p:spPr>
+        <p:txBody>
+          <a:bodyPr wrap="square">
+            <a:spAutoFit/>
+          </a:bodyPr>
+          <a:lstStyle>
+            <a:defPPr>
+              <a:defRPr lang="ko-KR"/>
+            </a:defPPr>
+            <a:lvl1pPr>
+              <a:lnSpc>
+                <a:spcPct val="150000"/>
+              </a:lnSpc>
+              <a:defRPr sz="1400">
+                <a:latin typeface="나눔바른고딕" panose="020B0603020101020101" pitchFamily="50" charset="-127"/>
+                <a:ea typeface="나눔바른고딕" panose="020B0603020101020101" pitchFamily="50" charset="-127"/>
+              </a:defRPr>
+            </a:lvl1pPr>
+          </a:lstStyle>
+          <a:p>
+            <a:r>
+              <a:rPr lang="ko-KR" altLang="en-US" b="1" dirty="0"/>
+              <a:t>지자체별 배출 내역</a:t>
+            </a:r>
+            <a:r>
+              <a:rPr lang="en-US" altLang="ko-KR" b="1" dirty="0"/>
+              <a:t>(</a:t>
+            </a:r>
+            <a:r>
+              <a:rPr lang="ko-KR" altLang="en-US" b="1" dirty="0"/>
+              <a:t>시간별</a:t>
+            </a:r>
+            <a:r>
+              <a:rPr lang="en-US" altLang="ko-KR" b="1" dirty="0"/>
+              <a:t>, </a:t>
+            </a:r>
+            <a:r>
+              <a:rPr lang="ko-KR" altLang="en-US" b="1" dirty="0"/>
+              <a:t>일별</a:t>
+            </a:r>
+            <a:r>
+              <a:rPr lang="en-US" altLang="ko-KR" b="1" dirty="0"/>
+              <a:t>, </a:t>
+            </a:r>
+            <a:r>
+              <a:rPr lang="ko-KR" altLang="en-US" b="1" dirty="0" err="1"/>
+              <a:t>요일별</a:t>
+            </a:r>
+            <a:r>
+              <a:rPr lang="en-US" altLang="ko-KR" b="1" dirty="0"/>
+              <a:t>)</a:t>
+            </a:r>
+          </a:p>
+          <a:p>
+            <a:r>
+              <a:rPr lang="ko-KR" altLang="en-US" dirty="0"/>
+              <a:t>배출량</a:t>
+            </a:r>
+            <a:r>
+              <a:rPr lang="en-US" altLang="ko-KR" dirty="0"/>
+              <a:t>, </a:t>
+            </a:r>
+            <a:r>
+              <a:rPr lang="ko-KR" altLang="en-US" dirty="0"/>
+              <a:t>배출횟수</a:t>
+            </a:r>
+            <a:endParaRPr lang="en-US" altLang="ko-KR" dirty="0"/>
+          </a:p>
+        </p:txBody>
+      </p:sp>
+      <p:sp>
+        <p:nvSpPr>
+          <p:cNvPr id="12" name="TextBox 11">
+            <a:extLst>
+              <a:ext uri="{FF2B5EF4-FFF2-40B4-BE49-F238E27FC236}">
+                <a16:creationId xmlns:a16="http://schemas.microsoft.com/office/drawing/2014/main" id="{2D523D45-0F29-4A02-B27F-77CB9B71EDD0}"/>
+              </a:ext>
+            </a:extLst>
+          </p:cNvPr>
+          <p:cNvSpPr txBox="1"/>
+          <p:nvPr/>
+        </p:nvSpPr>
+        <p:spPr>
+          <a:xfrm>
+            <a:off x="6520872" y="1281085"/>
+            <a:ext cx="3439830" cy="388568"/>
+          </a:xfrm>
+          <a:prstGeom prst="rect">
+            <a:avLst/>
+          </a:prstGeom>
+          <a:noFill/>
+        </p:spPr>
+        <p:txBody>
+          <a:bodyPr wrap="square">
+            <a:spAutoFit/>
+          </a:bodyPr>
+          <a:lstStyle>
+            <a:defPPr>
+              <a:defRPr lang="ko-KR"/>
+            </a:defPPr>
+            <a:lvl1pPr>
+              <a:lnSpc>
+                <a:spcPct val="150000"/>
+              </a:lnSpc>
+              <a:defRPr sz="1400">
+                <a:latin typeface="나눔바른고딕" panose="020B0603020101020101" pitchFamily="50" charset="-127"/>
+                <a:ea typeface="나눔바른고딕" panose="020B0603020101020101" pitchFamily="50" charset="-127"/>
+              </a:defRPr>
+            </a:lvl1pPr>
+          </a:lstStyle>
+          <a:p>
+            <a:r>
+              <a:rPr lang="ko-KR" altLang="en-US" b="1" dirty="0"/>
+              <a:t>아파트별 </a:t>
+            </a:r>
+            <a:r>
+              <a:rPr lang="ko-KR" altLang="en-US" b="1" dirty="0" err="1"/>
+              <a:t>가구원</a:t>
+            </a:r>
+            <a:r>
+              <a:rPr lang="ko-KR" altLang="en-US" b="1" dirty="0"/>
+              <a:t> 나이</a:t>
+            </a:r>
+            <a:endParaRPr lang="en-US" altLang="ko-KR" b="1" dirty="0"/>
+          </a:p>
+        </p:txBody>
+      </p:sp>
+      <p:pic>
+        <p:nvPicPr>
+          <p:cNvPr id="4" name="그림 3">
+            <a:extLst>
+              <a:ext uri="{FF2B5EF4-FFF2-40B4-BE49-F238E27FC236}">
+                <a16:creationId xmlns:a16="http://schemas.microsoft.com/office/drawing/2014/main" id="{12E1D4E9-FF88-4532-9385-6597386DBCB6}"/>
+              </a:ext>
+            </a:extLst>
+          </p:cNvPr>
+          <p:cNvPicPr>
+            <a:picLocks noChangeAspect="1"/>
+          </p:cNvPicPr>
+          <p:nvPr/>
+        </p:nvPicPr>
+        <p:blipFill>
+          <a:blip r:embed="rId2"/>
+          <a:stretch>
+            <a:fillRect/>
+          </a:stretch>
+        </p:blipFill>
+        <p:spPr>
+          <a:xfrm>
+            <a:off x="1147910" y="2469964"/>
+            <a:ext cx="4077269" cy="3677163"/>
+          </a:xfrm>
+          <a:prstGeom prst="rect">
+            <a:avLst/>
+          </a:prstGeom>
+        </p:spPr>
+      </p:pic>
+      <p:pic>
+        <p:nvPicPr>
+          <p:cNvPr id="7" name="그림 6">
+            <a:extLst>
+              <a:ext uri="{FF2B5EF4-FFF2-40B4-BE49-F238E27FC236}">
+                <a16:creationId xmlns:a16="http://schemas.microsoft.com/office/drawing/2014/main" id="{39452148-4A44-4D65-901E-473F79A42F84}"/>
+              </a:ext>
+            </a:extLst>
+          </p:cNvPr>
+          <p:cNvPicPr>
+            <a:picLocks noChangeAspect="1"/>
+          </p:cNvPicPr>
+          <p:nvPr/>
+        </p:nvPicPr>
+        <p:blipFill>
+          <a:blip r:embed="rId3"/>
+          <a:stretch>
+            <a:fillRect/>
+          </a:stretch>
+        </p:blipFill>
+        <p:spPr>
+          <a:xfrm>
+            <a:off x="6701606" y="2469964"/>
+            <a:ext cx="4603703" cy="3224860"/>
+          </a:xfrm>
+          <a:prstGeom prst="rect">
+            <a:avLst/>
+          </a:prstGeom>
+        </p:spPr>
+      </p:pic>
+    </p:spTree>
+    <p:extLst>
+      <p:ext uri="{BB962C8B-B14F-4D97-AF65-F5344CB8AC3E}">
+        <p14:creationId xmlns:p14="http://schemas.microsoft.com/office/powerpoint/2010/main" val="3277645426"/>
+      </p:ext>
+    </p:extLst>
+  </p:cSld>
+  <p:clrMapOvr>
+    <a:masterClrMapping/>
+  </p:clrMapOvr>
+</p:sld>
+</file>
+
+<file path=ppt/slides/slide7.xml><?xml version="1.0" encoding="utf-8"?>
+<p:sld xmlns:a="http://schemas.openxmlformats.org/drawingml/2006/main" xmlns:r="http://schemas.openxmlformats.org/officeDocument/2006/relationships" xmlns:p="http://schemas.openxmlformats.org/presentationml/2006/main">
+  <p:cSld>
+    <p:spTree>
+      <p:nvGrpSpPr>
+        <p:cNvPr id="1" name=""/>
+        <p:cNvGrpSpPr/>
+        <p:nvPr/>
+      </p:nvGrpSpPr>
+      <p:grpSpPr>
+        <a:xfrm>
+          <a:off x="0" y="0"/>
+          <a:ext cx="0" cy="0"/>
+          <a:chOff x="0" y="0"/>
+          <a:chExt cx="0" cy="0"/>
+        </a:xfrm>
+      </p:grpSpPr>
+      <p:sp>
+        <p:nvSpPr>
+          <p:cNvPr id="8" name="TextBox 7">
+            <a:extLst>
+              <a:ext uri="{FF2B5EF4-FFF2-40B4-BE49-F238E27FC236}">
+                <a16:creationId xmlns:a16="http://schemas.microsoft.com/office/drawing/2014/main" id="{2CD498CE-E5FD-4A11-A8DD-FB00789981AF}"/>
+              </a:ext>
+            </a:extLst>
+          </p:cNvPr>
+          <p:cNvSpPr txBox="1"/>
+          <p:nvPr/>
+        </p:nvSpPr>
+        <p:spPr>
+          <a:xfrm>
+            <a:off x="321998" y="584718"/>
+            <a:ext cx="6093372" cy="369332"/>
+          </a:xfrm>
+          <a:prstGeom prst="rect">
+            <a:avLst/>
+          </a:prstGeom>
+          <a:noFill/>
+        </p:spPr>
+        <p:txBody>
+          <a:bodyPr wrap="square">
+            <a:spAutoFit/>
+          </a:bodyPr>
+          <a:lstStyle/>
+          <a:p>
+            <a:pPr algn="l"/>
+            <a:r>
+              <a:rPr lang="ko-KR" altLang="en-US" b="0" i="0" dirty="0">
+                <a:solidFill>
+                  <a:srgbClr val="000000"/>
+                </a:solidFill>
+                <a:effectLst/>
+                <a:latin typeface="레시피코리아 Medium" panose="02020603020101020101" pitchFamily="18" charset="-127"/>
+                <a:ea typeface="레시피코리아 Medium" panose="02020603020101020101" pitchFamily="18" charset="-127"/>
+              </a:rPr>
+              <a:t>데이터 문제점</a:t>
+            </a:r>
+          </a:p>
+        </p:txBody>
+      </p:sp>
+      <p:pic>
+        <p:nvPicPr>
+          <p:cNvPr id="2" name="그림 1">
+            <a:extLst>
+              <a:ext uri="{FF2B5EF4-FFF2-40B4-BE49-F238E27FC236}">
+                <a16:creationId xmlns:a16="http://schemas.microsoft.com/office/drawing/2014/main" id="{79E20F32-1FA8-467B-B88D-B266E9A7FC68}"/>
+              </a:ext>
+            </a:extLst>
+          </p:cNvPr>
+          <p:cNvPicPr>
+            <a:picLocks noChangeAspect="1"/>
+          </p:cNvPicPr>
+          <p:nvPr/>
+        </p:nvPicPr>
+        <p:blipFill>
+          <a:blip r:embed="rId2"/>
+          <a:stretch>
+            <a:fillRect/>
+          </a:stretch>
+        </p:blipFill>
+        <p:spPr>
+          <a:xfrm>
+            <a:off x="549625" y="1555257"/>
+            <a:ext cx="7084166" cy="3322608"/>
+          </a:xfrm>
+          <a:prstGeom prst="rect">
+            <a:avLst/>
+          </a:prstGeom>
+          <a:solidFill>
+            <a:srgbClr val="FFFFFF">
+              <a:shade val="85000"/>
+            </a:srgbClr>
+          </a:solidFill>
+          <a:ln w="190500" cap="rnd">
+            <a:solidFill>
+              <a:srgbClr val="FFFFFF"/>
+            </a:solidFill>
+          </a:ln>
+          <a:effectLst>
+            <a:outerShdw blurRad="50000" algn="tl" rotWithShape="0">
+              <a:srgbClr val="000000">
+                <a:alpha val="41000"/>
+              </a:srgbClr>
+            </a:outerShdw>
+          </a:effectLst>
+          <a:scene3d>
+            <a:camera prst="orthographicFront"/>
+            <a:lightRig rig="twoPt" dir="t">
+              <a:rot lat="0" lon="0" rev="7800000"/>
+            </a:lightRig>
+          </a:scene3d>
+          <a:sp3d contourW="6350">
+            <a:bevelT w="50800" h="16510"/>
+            <a:contourClr>
+              <a:srgbClr val="C0C0C0"/>
+            </a:contourClr>
+          </a:sp3d>
+        </p:spPr>
+      </p:pic>
+      <p:sp>
+        <p:nvSpPr>
+          <p:cNvPr id="17" name="직사각형 16">
+            <a:extLst>
+              <a:ext uri="{FF2B5EF4-FFF2-40B4-BE49-F238E27FC236}">
+                <a16:creationId xmlns:a16="http://schemas.microsoft.com/office/drawing/2014/main" id="{C2A10F1F-B026-40A8-AD5C-7759E518A882}"/>
+              </a:ext>
+            </a:extLst>
+          </p:cNvPr>
+          <p:cNvSpPr/>
+          <p:nvPr/>
+        </p:nvSpPr>
+        <p:spPr>
+          <a:xfrm>
+            <a:off x="321999" y="517236"/>
+            <a:ext cx="1663820" cy="436814"/>
+          </a:xfrm>
+          <a:prstGeom prst="rect">
+            <a:avLst/>
+          </a:prstGeom>
+          <a:noFill/>
+          <a:ln w="76200">
+            <a:solidFill>
+              <a:srgbClr val="FFC000"/>
+            </a:solidFill>
+          </a:ln>
+        </p:spPr>
+        <p:style>
+          <a:lnRef idx="2">
+            <a:schemeClr val="accent1">
+              <a:shade val="50000"/>
+            </a:schemeClr>
+          </a:lnRef>
+          <a:fillRef idx="1">
+            <a:schemeClr val="accent1"/>
+          </a:fillRef>
+          <a:effectRef idx="0">
+            <a:schemeClr val="accent1"/>
+          </a:effectRef>
+          <a:fontRef idx="minor">
+            <a:schemeClr val="lt1"/>
+          </a:fontRef>
+        </p:style>
+        <p:txBody>
+          <a:bodyPr rtlCol="0" anchor="ctr"/>
+          <a:lstStyle/>
+          <a:p>
+            <a:pPr algn="ctr"/>
+            <a:endParaRPr lang="ko-KR" altLang="en-US" dirty="0">
+              <a:highlight>
+                <a:srgbClr val="FF0000"/>
+              </a:highlight>
+            </a:endParaRPr>
+          </a:p>
+        </p:txBody>
+      </p:sp>
+      <p:sp>
+        <p:nvSpPr>
+          <p:cNvPr id="18" name="TextBox 17">
+            <a:extLst>
+              <a:ext uri="{FF2B5EF4-FFF2-40B4-BE49-F238E27FC236}">
+                <a16:creationId xmlns:a16="http://schemas.microsoft.com/office/drawing/2014/main" id="{663584C0-D793-4C31-853D-662E1604E83D}"/>
+              </a:ext>
+            </a:extLst>
+          </p:cNvPr>
+          <p:cNvSpPr txBox="1"/>
+          <p:nvPr/>
+        </p:nvSpPr>
+        <p:spPr>
+          <a:xfrm>
+            <a:off x="7954366" y="1555257"/>
+            <a:ext cx="3688009" cy="1034899"/>
+          </a:xfrm>
+          <a:prstGeom prst="rect">
+            <a:avLst/>
+          </a:prstGeom>
+          <a:noFill/>
+        </p:spPr>
+        <p:txBody>
+          <a:bodyPr wrap="square">
+            <a:spAutoFit/>
+          </a:bodyPr>
+          <a:lstStyle>
+            <a:defPPr>
+              <a:defRPr lang="ko-KR"/>
+            </a:defPPr>
+            <a:lvl1pPr>
+              <a:lnSpc>
+                <a:spcPct val="150000"/>
+              </a:lnSpc>
+              <a:defRPr sz="1400">
+                <a:latin typeface="나눔바른고딕" panose="020B0603020101020101" pitchFamily="50" charset="-127"/>
+                <a:ea typeface="나눔바른고딕" panose="020B0603020101020101" pitchFamily="50" charset="-127"/>
+              </a:defRPr>
+            </a:lvl1pPr>
+          </a:lstStyle>
+          <a:p>
+            <a:r>
+              <a:rPr lang="ko-KR" altLang="en-US" dirty="0"/>
+              <a:t>제가 구한 자료에는 두 </a:t>
+            </a:r>
+            <a:r>
+              <a:rPr lang="en-US" altLang="ko-KR" dirty="0"/>
+              <a:t>RFID</a:t>
+            </a:r>
+            <a:r>
+              <a:rPr lang="ko-KR" altLang="en-US" dirty="0"/>
+              <a:t> 종류대로 데이터가 나뉘어져 있지 않았습니다</a:t>
+            </a:r>
+            <a:r>
+              <a:rPr lang="en-US" altLang="ko-KR" dirty="0"/>
+              <a:t>..</a:t>
+            </a:r>
+          </a:p>
+          <a:p>
+            <a:r>
+              <a:rPr lang="ko-KR" altLang="en-US" dirty="0"/>
+              <a:t>그냥 </a:t>
+            </a:r>
+            <a:r>
+              <a:rPr lang="en-US" altLang="ko-KR" dirty="0"/>
+              <a:t>RFID </a:t>
+            </a:r>
+            <a:r>
+              <a:rPr lang="ko-KR" altLang="en-US" dirty="0"/>
+              <a:t>전체로 </a:t>
+            </a:r>
+            <a:r>
+              <a:rPr lang="ko-KR" altLang="en-US" dirty="0" err="1"/>
+              <a:t>묶어서만</a:t>
+            </a:r>
+            <a:r>
+              <a:rPr lang="ko-KR" altLang="en-US" dirty="0"/>
+              <a:t> 데이터가 있었습니다</a:t>
+            </a:r>
+            <a:r>
+              <a:rPr lang="en-US" altLang="ko-KR" dirty="0"/>
+              <a:t>.</a:t>
+            </a:r>
+          </a:p>
+        </p:txBody>
+      </p:sp>
+      <p:sp>
+        <p:nvSpPr>
+          <p:cNvPr id="19" name="TextBox 18">
+            <a:extLst>
+              <a:ext uri="{FF2B5EF4-FFF2-40B4-BE49-F238E27FC236}">
+                <a16:creationId xmlns:a16="http://schemas.microsoft.com/office/drawing/2014/main" id="{32B14CB3-B49D-46E7-AB14-B5DB7F09A976}"/>
+              </a:ext>
+            </a:extLst>
+          </p:cNvPr>
+          <p:cNvSpPr txBox="1"/>
+          <p:nvPr/>
+        </p:nvSpPr>
+        <p:spPr>
+          <a:xfrm>
+            <a:off x="7954366" y="2825257"/>
+            <a:ext cx="3688009" cy="2327560"/>
+          </a:xfrm>
+          <a:prstGeom prst="rect">
+            <a:avLst/>
+          </a:prstGeom>
+          <a:noFill/>
+        </p:spPr>
+        <p:txBody>
+          <a:bodyPr wrap="square">
+            <a:spAutoFit/>
+          </a:bodyPr>
+          <a:lstStyle>
+            <a:defPPr>
+              <a:defRPr lang="ko-KR"/>
+            </a:defPPr>
+            <a:lvl1pPr>
+              <a:lnSpc>
+                <a:spcPct val="150000"/>
+              </a:lnSpc>
+              <a:defRPr sz="1400">
+                <a:latin typeface="나눔바른고딕" panose="020B0603020101020101" pitchFamily="50" charset="-127"/>
+                <a:ea typeface="나눔바른고딕" panose="020B0603020101020101" pitchFamily="50" charset="-127"/>
+              </a:defRPr>
+            </a:lvl1pPr>
+          </a:lstStyle>
+          <a:p>
+            <a:r>
+              <a:rPr lang="ko-KR" altLang="en-US" dirty="0"/>
+              <a:t>공공 데이터 포털</a:t>
+            </a:r>
+            <a:r>
+              <a:rPr lang="en-US" altLang="ko-KR" dirty="0"/>
+              <a:t>, </a:t>
+            </a:r>
+            <a:r>
+              <a:rPr lang="ko-KR" altLang="en-US" dirty="0"/>
+              <a:t>한국환경공단</a:t>
+            </a:r>
+            <a:r>
+              <a:rPr lang="en-US" altLang="ko-KR" dirty="0"/>
+              <a:t>, </a:t>
+            </a:r>
+            <a:r>
+              <a:rPr lang="ko-KR" altLang="en-US" dirty="0"/>
+              <a:t>음식물 쓰레기 관리시스템 정도에서만 정보를 구했고</a:t>
+            </a:r>
+            <a:r>
+              <a:rPr lang="en-US" altLang="ko-KR" dirty="0"/>
+              <a:t>,</a:t>
+            </a:r>
+          </a:p>
+          <a:p>
+            <a:r>
+              <a:rPr lang="ko-KR" altLang="en-US" dirty="0"/>
+              <a:t>말씀해주신 신도시나 대형아파트 </a:t>
+            </a:r>
+            <a:r>
+              <a:rPr lang="ko-KR" altLang="en-US" dirty="0" err="1"/>
+              <a:t>싸이트에서는</a:t>
+            </a:r>
+            <a:r>
+              <a:rPr lang="ko-KR" altLang="en-US" dirty="0"/>
+              <a:t> 구하지 못했습니다</a:t>
+            </a:r>
+            <a:r>
+              <a:rPr lang="en-US" altLang="ko-KR" dirty="0"/>
+              <a:t>..</a:t>
+            </a:r>
+          </a:p>
+          <a:p>
+            <a:r>
+              <a:rPr lang="ko-KR" altLang="en-US" dirty="0"/>
+              <a:t>또한 비교해주는 신식 </a:t>
+            </a:r>
+            <a:r>
+              <a:rPr lang="en-US" altLang="ko-KR" dirty="0"/>
+              <a:t>RFID </a:t>
+            </a:r>
+            <a:r>
+              <a:rPr lang="ko-KR" altLang="en-US" dirty="0"/>
+              <a:t>기기를 부르는 명칭이 따로 없어</a:t>
+            </a:r>
+            <a:r>
+              <a:rPr lang="en-US" altLang="ko-KR" dirty="0"/>
+              <a:t>, </a:t>
+            </a:r>
+            <a:r>
+              <a:rPr lang="ko-KR" altLang="en-US" dirty="0"/>
+              <a:t>데이터가 애초에 따로 관리되고 있는지도 의문입니다</a:t>
+            </a:r>
+            <a:r>
+              <a:rPr lang="en-US" altLang="ko-KR" dirty="0"/>
+              <a:t>..</a:t>
+            </a:r>
+          </a:p>
+        </p:txBody>
+      </p:sp>
+    </p:spTree>
+    <p:extLst>
+      <p:ext uri="{BB962C8B-B14F-4D97-AF65-F5344CB8AC3E}">
+        <p14:creationId xmlns:p14="http://schemas.microsoft.com/office/powerpoint/2010/main" val="3615827713"/>
       </p:ext>
     </p:extLst>
   </p:cSld>

--- a/Architecture Design 2022/0324/0324_2017170544_신원기.pptx
+++ b/Architecture Design 2022/0324/0324_2017170544_신원기.pptx
@@ -12,6 +12,9 @@
     <p:sldId id="260" r:id="rId6"/>
     <p:sldId id="261" r:id="rId7"/>
     <p:sldId id="262" r:id="rId8"/>
+    <p:sldId id="263" r:id="rId9"/>
+    <p:sldId id="264" r:id="rId10"/>
+    <p:sldId id="265" r:id="rId11"/>
   </p:sldIdLst>
   <p:sldSz cx="12192000" cy="6858000"/>
   <p:notesSz cx="6858000" cy="9144000"/>
@@ -276,7 +279,7 @@
           <a:p>
             <a:fld id="{E92988E4-2CA2-4883-8BAD-9C6E44CD53F2}" type="datetimeFigureOut">
               <a:rPr lang="ko-KR" altLang="en-US" smtClean="0"/>
-              <a:t>2022-03-24</a:t>
+              <a:t>2022-03-28</a:t>
             </a:fld>
             <a:endParaRPr lang="ko-KR" altLang="en-US"/>
           </a:p>
@@ -474,7 +477,7 @@
           <a:p>
             <a:fld id="{E92988E4-2CA2-4883-8BAD-9C6E44CD53F2}" type="datetimeFigureOut">
               <a:rPr lang="ko-KR" altLang="en-US" smtClean="0"/>
-              <a:t>2022-03-24</a:t>
+              <a:t>2022-03-28</a:t>
             </a:fld>
             <a:endParaRPr lang="ko-KR" altLang="en-US"/>
           </a:p>
@@ -682,7 +685,7 @@
           <a:p>
             <a:fld id="{E92988E4-2CA2-4883-8BAD-9C6E44CD53F2}" type="datetimeFigureOut">
               <a:rPr lang="ko-KR" altLang="en-US" smtClean="0"/>
-              <a:t>2022-03-24</a:t>
+              <a:t>2022-03-28</a:t>
             </a:fld>
             <a:endParaRPr lang="ko-KR" altLang="en-US"/>
           </a:p>
@@ -880,7 +883,7 @@
           <a:p>
             <a:fld id="{E92988E4-2CA2-4883-8BAD-9C6E44CD53F2}" type="datetimeFigureOut">
               <a:rPr lang="ko-KR" altLang="en-US" smtClean="0"/>
-              <a:t>2022-03-24</a:t>
+              <a:t>2022-03-28</a:t>
             </a:fld>
             <a:endParaRPr lang="ko-KR" altLang="en-US"/>
           </a:p>
@@ -1155,7 +1158,7 @@
           <a:p>
             <a:fld id="{E92988E4-2CA2-4883-8BAD-9C6E44CD53F2}" type="datetimeFigureOut">
               <a:rPr lang="ko-KR" altLang="en-US" smtClean="0"/>
-              <a:t>2022-03-24</a:t>
+              <a:t>2022-03-28</a:t>
             </a:fld>
             <a:endParaRPr lang="ko-KR" altLang="en-US"/>
           </a:p>
@@ -1420,7 +1423,7 @@
           <a:p>
             <a:fld id="{E92988E4-2CA2-4883-8BAD-9C6E44CD53F2}" type="datetimeFigureOut">
               <a:rPr lang="ko-KR" altLang="en-US" smtClean="0"/>
-              <a:t>2022-03-24</a:t>
+              <a:t>2022-03-28</a:t>
             </a:fld>
             <a:endParaRPr lang="ko-KR" altLang="en-US"/>
           </a:p>
@@ -1832,7 +1835,7 @@
           <a:p>
             <a:fld id="{E92988E4-2CA2-4883-8BAD-9C6E44CD53F2}" type="datetimeFigureOut">
               <a:rPr lang="ko-KR" altLang="en-US" smtClean="0"/>
-              <a:t>2022-03-24</a:t>
+              <a:t>2022-03-28</a:t>
             </a:fld>
             <a:endParaRPr lang="ko-KR" altLang="en-US"/>
           </a:p>
@@ -1973,7 +1976,7 @@
           <a:p>
             <a:fld id="{E92988E4-2CA2-4883-8BAD-9C6E44CD53F2}" type="datetimeFigureOut">
               <a:rPr lang="ko-KR" altLang="en-US" smtClean="0"/>
-              <a:t>2022-03-24</a:t>
+              <a:t>2022-03-28</a:t>
             </a:fld>
             <a:endParaRPr lang="ko-KR" altLang="en-US"/>
           </a:p>
@@ -2086,7 +2089,7 @@
           <a:p>
             <a:fld id="{E92988E4-2CA2-4883-8BAD-9C6E44CD53F2}" type="datetimeFigureOut">
               <a:rPr lang="ko-KR" altLang="en-US" smtClean="0"/>
-              <a:t>2022-03-24</a:t>
+              <a:t>2022-03-28</a:t>
             </a:fld>
             <a:endParaRPr lang="ko-KR" altLang="en-US"/>
           </a:p>
@@ -2397,7 +2400,7 @@
           <a:p>
             <a:fld id="{E92988E4-2CA2-4883-8BAD-9C6E44CD53F2}" type="datetimeFigureOut">
               <a:rPr lang="ko-KR" altLang="en-US" smtClean="0"/>
-              <a:t>2022-03-24</a:t>
+              <a:t>2022-03-28</a:t>
             </a:fld>
             <a:endParaRPr lang="ko-KR" altLang="en-US"/>
           </a:p>
@@ -2685,7 +2688,7 @@
           <a:p>
             <a:fld id="{E92988E4-2CA2-4883-8BAD-9C6E44CD53F2}" type="datetimeFigureOut">
               <a:rPr lang="ko-KR" altLang="en-US" smtClean="0"/>
-              <a:t>2022-03-24</a:t>
+              <a:t>2022-03-28</a:t>
             </a:fld>
             <a:endParaRPr lang="ko-KR" altLang="en-US"/>
           </a:p>
@@ -2926,7 +2929,7 @@
           <a:p>
             <a:fld id="{E92988E4-2CA2-4883-8BAD-9C6E44CD53F2}" type="datetimeFigureOut">
               <a:rPr lang="ko-KR" altLang="en-US" smtClean="0"/>
-              <a:t>2022-03-24</a:t>
+              <a:t>2022-03-28</a:t>
             </a:fld>
             <a:endParaRPr lang="ko-KR" altLang="en-US"/>
           </a:p>
@@ -3705,6 +3708,113 @@
 </p:sld>
 </file>
 
+<file path=ppt/slides/slide10.xml><?xml version="1.0" encoding="utf-8"?>
+<p:sld xmlns:a="http://schemas.openxmlformats.org/drawingml/2006/main" xmlns:r="http://schemas.openxmlformats.org/officeDocument/2006/relationships" xmlns:p="http://schemas.openxmlformats.org/presentationml/2006/main">
+  <p:cSld>
+    <p:spTree>
+      <p:nvGrpSpPr>
+        <p:cNvPr id="1" name=""/>
+        <p:cNvGrpSpPr/>
+        <p:nvPr/>
+      </p:nvGrpSpPr>
+      <p:grpSpPr>
+        <a:xfrm>
+          <a:off x="0" y="0"/>
+          <a:ext cx="0" cy="0"/>
+          <a:chOff x="0" y="0"/>
+          <a:chExt cx="0" cy="0"/>
+        </a:xfrm>
+      </p:grpSpPr>
+      <p:pic>
+        <p:nvPicPr>
+          <p:cNvPr id="1026" name="Picture 2" descr="1인당 음식물류 폐기물(kg/일) 배출이 많은 시군구 Top 20">
+            <a:extLst>
+              <a:ext uri="{FF2B5EF4-FFF2-40B4-BE49-F238E27FC236}">
+                <a16:creationId xmlns:a16="http://schemas.microsoft.com/office/drawing/2014/main" id="{F0BC3139-3A8B-4E1C-97F7-60CBA4F8DAF6}"/>
+              </a:ext>
+            </a:extLst>
+          </p:cNvPr>
+          <p:cNvPicPr>
+            <a:picLocks noChangeAspect="1" noChangeArrowheads="1"/>
+          </p:cNvPicPr>
+          <p:nvPr/>
+        </p:nvPicPr>
+        <p:blipFill>
+          <a:blip r:embed="rId2">
+            <a:extLst>
+              <a:ext uri="{28A0092B-C50C-407E-A947-70E740481C1C}">
+                <a14:useLocalDpi xmlns:a14="http://schemas.microsoft.com/office/drawing/2010/main" val="0"/>
+              </a:ext>
+            </a:extLst>
+          </a:blip>
+          <a:srcRect/>
+          <a:stretch>
+            <a:fillRect/>
+          </a:stretch>
+        </p:blipFill>
+        <p:spPr bwMode="auto">
+          <a:xfrm>
+            <a:off x="0" y="912863"/>
+            <a:ext cx="12192000" cy="5543550"/>
+          </a:xfrm>
+          <a:prstGeom prst="rect">
+            <a:avLst/>
+          </a:prstGeom>
+          <a:noFill/>
+          <a:extLst>
+            <a:ext uri="{909E8E84-426E-40DD-AFC4-6F175D3DCCD1}">
+              <a14:hiddenFill xmlns:a14="http://schemas.microsoft.com/office/drawing/2010/main">
+                <a:solidFill>
+                  <a:srgbClr val="FFFFFF"/>
+                </a:solidFill>
+              </a14:hiddenFill>
+            </a:ext>
+          </a:extLst>
+        </p:spPr>
+      </p:pic>
+      <p:pic>
+        <p:nvPicPr>
+          <p:cNvPr id="5" name="그림 4">
+            <a:extLst>
+              <a:ext uri="{FF2B5EF4-FFF2-40B4-BE49-F238E27FC236}">
+                <a16:creationId xmlns:a16="http://schemas.microsoft.com/office/drawing/2014/main" id="{73CD724C-2815-467B-8464-48C52DECF48C}"/>
+              </a:ext>
+            </a:extLst>
+          </p:cNvPr>
+          <p:cNvPicPr>
+            <a:picLocks noChangeAspect="1"/>
+          </p:cNvPicPr>
+          <p:nvPr/>
+        </p:nvPicPr>
+        <p:blipFill>
+          <a:blip r:embed="rId3"/>
+          <a:stretch>
+            <a:fillRect/>
+          </a:stretch>
+        </p:blipFill>
+        <p:spPr>
+          <a:xfrm>
+            <a:off x="4004970" y="612784"/>
+            <a:ext cx="4182059" cy="600159"/>
+          </a:xfrm>
+          <a:prstGeom prst="rect">
+            <a:avLst/>
+          </a:prstGeom>
+        </p:spPr>
+      </p:pic>
+    </p:spTree>
+    <p:extLst>
+      <p:ext uri="{BB962C8B-B14F-4D97-AF65-F5344CB8AC3E}">
+        <p14:creationId xmlns:p14="http://schemas.microsoft.com/office/powerpoint/2010/main" val="866487022"/>
+      </p:ext>
+    </p:extLst>
+  </p:cSld>
+  <p:clrMapOvr>
+    <a:masterClrMapping/>
+  </p:clrMapOvr>
+</p:sld>
+</file>
+
 <file path=ppt/slides/slide2.xml><?xml version="1.0" encoding="utf-8"?>
 <p:sld xmlns:a="http://schemas.openxmlformats.org/drawingml/2006/main" xmlns:r="http://schemas.openxmlformats.org/officeDocument/2006/relationships" xmlns:p="http://schemas.openxmlformats.org/presentationml/2006/main">
   <p:cSld>
@@ -6046,6 +6156,364 @@
     <p:extLst>
       <p:ext uri="{BB962C8B-B14F-4D97-AF65-F5344CB8AC3E}">
         <p14:creationId xmlns:p14="http://schemas.microsoft.com/office/powerpoint/2010/main" val="3615827713"/>
+      </p:ext>
+    </p:extLst>
+  </p:cSld>
+  <p:clrMapOvr>
+    <a:masterClrMapping/>
+  </p:clrMapOvr>
+</p:sld>
+</file>
+
+<file path=ppt/slides/slide8.xml><?xml version="1.0" encoding="utf-8"?>
+<p:sld xmlns:a="http://schemas.openxmlformats.org/drawingml/2006/main" xmlns:r="http://schemas.openxmlformats.org/officeDocument/2006/relationships" xmlns:p="http://schemas.openxmlformats.org/presentationml/2006/main">
+  <p:cSld>
+    <p:spTree>
+      <p:nvGrpSpPr>
+        <p:cNvPr id="1" name=""/>
+        <p:cNvGrpSpPr/>
+        <p:nvPr/>
+      </p:nvGrpSpPr>
+      <p:grpSpPr>
+        <a:xfrm>
+          <a:off x="0" y="0"/>
+          <a:ext cx="0" cy="0"/>
+          <a:chOff x="0" y="0"/>
+          <a:chExt cx="0" cy="0"/>
+        </a:xfrm>
+      </p:grpSpPr>
+      <p:sp>
+        <p:nvSpPr>
+          <p:cNvPr id="7" name="TextBox 6">
+            <a:extLst>
+              <a:ext uri="{FF2B5EF4-FFF2-40B4-BE49-F238E27FC236}">
+                <a16:creationId xmlns:a16="http://schemas.microsoft.com/office/drawing/2014/main" id="{D2D4CD41-8CDB-4A1D-9851-67D7A64714DC}"/>
+              </a:ext>
+            </a:extLst>
+          </p:cNvPr>
+          <p:cNvSpPr txBox="1"/>
+          <p:nvPr/>
+        </p:nvSpPr>
+        <p:spPr>
+          <a:xfrm>
+            <a:off x="3048000" y="3108144"/>
+            <a:ext cx="6096000" cy="646331"/>
+          </a:xfrm>
+          <a:prstGeom prst="rect">
+            <a:avLst/>
+          </a:prstGeom>
+          <a:noFill/>
+        </p:spPr>
+        <p:txBody>
+          <a:bodyPr wrap="square">
+            <a:spAutoFit/>
+          </a:bodyPr>
+          <a:lstStyle/>
+          <a:p>
+            <a:r>
+              <a:rPr lang="ko-KR" altLang="en-US" dirty="0"/>
+              <a:t>https://easylaw.go.kr/CSP/CnpClsMain.laf?popMenu=ov&amp;csmSeq=1410&amp;ccfNo=1&amp;cciNo=2&amp;cnpClsNo=2</a:t>
+            </a:r>
+          </a:p>
+        </p:txBody>
+      </p:sp>
+      <p:pic>
+        <p:nvPicPr>
+          <p:cNvPr id="9" name="그림 8">
+            <a:extLst>
+              <a:ext uri="{FF2B5EF4-FFF2-40B4-BE49-F238E27FC236}">
+                <a16:creationId xmlns:a16="http://schemas.microsoft.com/office/drawing/2014/main" id="{DFBFA26D-7046-4AD4-994D-FF811F44B920}"/>
+              </a:ext>
+            </a:extLst>
+          </p:cNvPr>
+          <p:cNvPicPr>
+            <a:picLocks noChangeAspect="1"/>
+          </p:cNvPicPr>
+          <p:nvPr/>
+        </p:nvPicPr>
+        <p:blipFill>
+          <a:blip r:embed="rId2"/>
+          <a:stretch>
+            <a:fillRect/>
+          </a:stretch>
+        </p:blipFill>
+        <p:spPr>
+          <a:xfrm>
+            <a:off x="671204" y="651686"/>
+            <a:ext cx="7382905" cy="1781424"/>
+          </a:xfrm>
+          <a:prstGeom prst="rect">
+            <a:avLst/>
+          </a:prstGeom>
+        </p:spPr>
+      </p:pic>
+      <p:pic>
+        <p:nvPicPr>
+          <p:cNvPr id="11" name="그림 10">
+            <a:extLst>
+              <a:ext uri="{FF2B5EF4-FFF2-40B4-BE49-F238E27FC236}">
+                <a16:creationId xmlns:a16="http://schemas.microsoft.com/office/drawing/2014/main" id="{1A29DC46-C4B1-4BD3-A22C-E565B37F4503}"/>
+              </a:ext>
+            </a:extLst>
+          </p:cNvPr>
+          <p:cNvPicPr>
+            <a:picLocks noChangeAspect="1"/>
+          </p:cNvPicPr>
+          <p:nvPr/>
+        </p:nvPicPr>
+        <p:blipFill>
+          <a:blip r:embed="rId3"/>
+          <a:stretch>
+            <a:fillRect/>
+          </a:stretch>
+        </p:blipFill>
+        <p:spPr>
+          <a:xfrm>
+            <a:off x="460142" y="3879984"/>
+            <a:ext cx="4584589" cy="2755631"/>
+          </a:xfrm>
+          <a:prstGeom prst="rect">
+            <a:avLst/>
+          </a:prstGeom>
+        </p:spPr>
+      </p:pic>
+      <p:sp>
+        <p:nvSpPr>
+          <p:cNvPr id="12" name="TextBox 11">
+            <a:extLst>
+              <a:ext uri="{FF2B5EF4-FFF2-40B4-BE49-F238E27FC236}">
+                <a16:creationId xmlns:a16="http://schemas.microsoft.com/office/drawing/2014/main" id="{DD407191-ED07-470E-BF83-2D8E3CEB60EA}"/>
+              </a:ext>
+            </a:extLst>
+          </p:cNvPr>
+          <p:cNvSpPr txBox="1"/>
+          <p:nvPr/>
+        </p:nvSpPr>
+        <p:spPr>
+          <a:xfrm>
+            <a:off x="5044731" y="4832017"/>
+            <a:ext cx="1757084" cy="369332"/>
+          </a:xfrm>
+          <a:prstGeom prst="rect">
+            <a:avLst/>
+          </a:prstGeom>
+          <a:noFill/>
+        </p:spPr>
+        <p:txBody>
+          <a:bodyPr wrap="none" rtlCol="0">
+            <a:spAutoFit/>
+          </a:bodyPr>
+          <a:lstStyle/>
+          <a:p>
+            <a:r>
+              <a:rPr lang="ko-KR" altLang="en-US" dirty="0"/>
+              <a:t>단위 </a:t>
+            </a:r>
+            <a:r>
+              <a:rPr lang="en-US" altLang="ko-KR" dirty="0"/>
+              <a:t>: kg/</a:t>
+            </a:r>
+            <a:r>
+              <a:rPr lang="ko-KR" altLang="en-US" dirty="0"/>
+              <a:t>년</a:t>
+            </a:r>
+            <a:r>
+              <a:rPr lang="en-US" altLang="ko-KR" dirty="0"/>
+              <a:t>/</a:t>
+            </a:r>
+            <a:r>
+              <a:rPr lang="ko-KR" altLang="en-US" dirty="0"/>
+              <a:t>인</a:t>
+            </a:r>
+          </a:p>
+        </p:txBody>
+      </p:sp>
+      <p:pic>
+        <p:nvPicPr>
+          <p:cNvPr id="14" name="그림 13">
+            <a:extLst>
+              <a:ext uri="{FF2B5EF4-FFF2-40B4-BE49-F238E27FC236}">
+                <a16:creationId xmlns:a16="http://schemas.microsoft.com/office/drawing/2014/main" id="{7512FDAA-9DBE-41C4-AD18-706F8B32C240}"/>
+              </a:ext>
+            </a:extLst>
+          </p:cNvPr>
+          <p:cNvPicPr>
+            <a:picLocks noChangeAspect="1"/>
+          </p:cNvPicPr>
+          <p:nvPr/>
+        </p:nvPicPr>
+        <p:blipFill>
+          <a:blip r:embed="rId4"/>
+          <a:stretch>
+            <a:fillRect/>
+          </a:stretch>
+        </p:blipFill>
+        <p:spPr>
+          <a:xfrm>
+            <a:off x="6895743" y="3926687"/>
+            <a:ext cx="5106113" cy="2429214"/>
+          </a:xfrm>
+          <a:prstGeom prst="rect">
+            <a:avLst/>
+          </a:prstGeom>
+        </p:spPr>
+      </p:pic>
+    </p:spTree>
+    <p:extLst>
+      <p:ext uri="{BB962C8B-B14F-4D97-AF65-F5344CB8AC3E}">
+        <p14:creationId xmlns:p14="http://schemas.microsoft.com/office/powerpoint/2010/main" val="2607237887"/>
+      </p:ext>
+    </p:extLst>
+  </p:cSld>
+  <p:clrMapOvr>
+    <a:masterClrMapping/>
+  </p:clrMapOvr>
+</p:sld>
+</file>
+
+<file path=ppt/slides/slide9.xml><?xml version="1.0" encoding="utf-8"?>
+<p:sld xmlns:a="http://schemas.openxmlformats.org/drawingml/2006/main" xmlns:r="http://schemas.openxmlformats.org/officeDocument/2006/relationships" xmlns:p="http://schemas.openxmlformats.org/presentationml/2006/main">
+  <p:cSld>
+    <p:spTree>
+      <p:nvGrpSpPr>
+        <p:cNvPr id="1" name=""/>
+        <p:cNvGrpSpPr/>
+        <p:nvPr/>
+      </p:nvGrpSpPr>
+      <p:grpSpPr>
+        <a:xfrm>
+          <a:off x="0" y="0"/>
+          <a:ext cx="0" cy="0"/>
+          <a:chOff x="0" y="0"/>
+          <a:chExt cx="0" cy="0"/>
+        </a:xfrm>
+      </p:grpSpPr>
+      <p:pic>
+        <p:nvPicPr>
+          <p:cNvPr id="4" name="내용 개체 틀 3">
+            <a:extLst>
+              <a:ext uri="{FF2B5EF4-FFF2-40B4-BE49-F238E27FC236}">
+                <a16:creationId xmlns:a16="http://schemas.microsoft.com/office/drawing/2014/main" id="{85C045E4-90CC-43C9-B096-D6E33386BB05}"/>
+              </a:ext>
+            </a:extLst>
+          </p:cNvPr>
+          <p:cNvPicPr>
+            <a:picLocks noGrp="1" noChangeAspect="1"/>
+          </p:cNvPicPr>
+          <p:nvPr>
+            <p:ph idx="1"/>
+          </p:nvPr>
+        </p:nvPicPr>
+        <p:blipFill>
+          <a:blip r:embed="rId2"/>
+          <a:stretch>
+            <a:fillRect/>
+          </a:stretch>
+        </p:blipFill>
+        <p:spPr>
+          <a:xfrm>
+            <a:off x="936984" y="1671287"/>
+            <a:ext cx="9570780" cy="4351338"/>
+          </a:xfrm>
+          <a:prstGeom prst="rect">
+            <a:avLst/>
+          </a:prstGeom>
+        </p:spPr>
+      </p:pic>
+      <p:pic>
+        <p:nvPicPr>
+          <p:cNvPr id="6" name="그림 5">
+            <a:extLst>
+              <a:ext uri="{FF2B5EF4-FFF2-40B4-BE49-F238E27FC236}">
+                <a16:creationId xmlns:a16="http://schemas.microsoft.com/office/drawing/2014/main" id="{B1DF6634-C379-4327-A3FA-424FD47A9D8A}"/>
+              </a:ext>
+            </a:extLst>
+          </p:cNvPr>
+          <p:cNvPicPr>
+            <a:picLocks noChangeAspect="1"/>
+          </p:cNvPicPr>
+          <p:nvPr/>
+        </p:nvPicPr>
+        <p:blipFill>
+          <a:blip r:embed="rId3"/>
+          <a:stretch>
+            <a:fillRect/>
+          </a:stretch>
+        </p:blipFill>
+        <p:spPr>
+          <a:xfrm>
+            <a:off x="1782005" y="681037"/>
+            <a:ext cx="3515216" cy="714475"/>
+          </a:xfrm>
+          <a:prstGeom prst="rect">
+            <a:avLst/>
+          </a:prstGeom>
+        </p:spPr>
+      </p:pic>
+      <p:sp>
+        <p:nvSpPr>
+          <p:cNvPr id="10" name="TextBox 9">
+            <a:extLst>
+              <a:ext uri="{FF2B5EF4-FFF2-40B4-BE49-F238E27FC236}">
+                <a16:creationId xmlns:a16="http://schemas.microsoft.com/office/drawing/2014/main" id="{2791D013-895E-4E31-AFB8-CFD3F1E251D2}"/>
+              </a:ext>
+            </a:extLst>
+          </p:cNvPr>
+          <p:cNvSpPr txBox="1"/>
+          <p:nvPr/>
+        </p:nvSpPr>
+        <p:spPr>
+          <a:xfrm>
+            <a:off x="5407742" y="518349"/>
+            <a:ext cx="5997677" cy="738664"/>
+          </a:xfrm>
+          <a:prstGeom prst="rect">
+            <a:avLst/>
+          </a:prstGeom>
+          <a:noFill/>
+        </p:spPr>
+        <p:txBody>
+          <a:bodyPr wrap="square">
+            <a:spAutoFit/>
+          </a:bodyPr>
+          <a:lstStyle/>
+          <a:p>
+            <a:r>
+              <a:rPr lang="en-US" altLang="ko-KR" sz="1400" dirty="0"/>
+              <a:t>2019</a:t>
+            </a:r>
+            <a:r>
+              <a:rPr lang="ko-KR" altLang="en-US" sz="1400" dirty="0"/>
+              <a:t>년 “전국 폐기물 발생 및 처리 현황” 데이터로 가정에서 배출하는 쓰레기의 종류와 양을 보고자 합니다</a:t>
+            </a:r>
+            <a:r>
+              <a:rPr lang="en-US" altLang="ko-KR" sz="1400" dirty="0"/>
+              <a:t>. </a:t>
+            </a:r>
+            <a:r>
+              <a:rPr lang="ko-KR" altLang="en-US" sz="1400" dirty="0"/>
+              <a:t>사업장에서 발생하는 </a:t>
+            </a:r>
+            <a:r>
+              <a:rPr lang="ko-KR" altLang="en-US" sz="1400" dirty="0" err="1"/>
+              <a:t>생활계</a:t>
+            </a:r>
+            <a:r>
+              <a:rPr lang="ko-KR" altLang="en-US" sz="1400" dirty="0"/>
+              <a:t> 폐기물은 포함하지 않고</a:t>
+            </a:r>
+            <a:r>
+              <a:rPr lang="en-US" altLang="ko-KR" sz="1400" dirty="0"/>
+              <a:t>, </a:t>
+            </a:r>
+            <a:endParaRPr lang="ko-KR" altLang="en-US" sz="1400" dirty="0"/>
+          </a:p>
+        </p:txBody>
+      </p:sp>
+    </p:spTree>
+    <p:extLst>
+      <p:ext uri="{BB962C8B-B14F-4D97-AF65-F5344CB8AC3E}">
+        <p14:creationId xmlns:p14="http://schemas.microsoft.com/office/powerpoint/2010/main" val="4244677552"/>
       </p:ext>
     </p:extLst>
   </p:cSld>
